--- a/Document/7. 매뉴얼/[ERP]매뉴얼_Ver1.0.0_Semi-Colon.pptx
+++ b/Document/7. 매뉴얼/[ERP]매뉴얼_Ver1.0.0_Semi-Colon.pptx
@@ -5,15 +5,20 @@
     <p:sldMasterId id="2147483648" r:id="rId1"/>
   </p:sldMasterIdLst>
   <p:notesMasterIdLst>
-    <p:notesMasterId r:id="rId8"/>
+    <p:notesMasterId r:id="rId13"/>
   </p:notesMasterIdLst>
   <p:sldIdLst>
     <p:sldId id="256" r:id="rId2"/>
-    <p:sldId id="257" r:id="rId3"/>
+    <p:sldId id="275" r:id="rId3"/>
     <p:sldId id="264" r:id="rId4"/>
     <p:sldId id="265" r:id="rId5"/>
-    <p:sldId id="266" r:id="rId6"/>
-    <p:sldId id="267" r:id="rId7"/>
+    <p:sldId id="270" r:id="rId6"/>
+    <p:sldId id="268" r:id="rId7"/>
+    <p:sldId id="269" r:id="rId8"/>
+    <p:sldId id="271" r:id="rId9"/>
+    <p:sldId id="273" r:id="rId10"/>
+    <p:sldId id="274" r:id="rId11"/>
+    <p:sldId id="272" r:id="rId12"/>
   </p:sldIdLst>
   <p:sldSz cx="12192000" cy="6858000"/>
   <p:notesSz cx="6858000" cy="9144000"/>
@@ -213,7 +218,7 @@
           <a:p>
             <a:fld id="{E73727FA-96F2-4585-AC38-8365A279DEE8}" type="datetimeFigureOut">
               <a:rPr lang="ko-KR" altLang="en-US" smtClean="0"/>
-              <a:t>2020-04-23</a:t>
+              <a:t>2020-04-24</a:t>
             </a:fld>
             <a:endParaRPr lang="ko-KR" altLang="en-US"/>
           </a:p>
@@ -480,6 +485,562 @@
 </p:notesMaster>
 </file>
 
+<file path=ppt/notesSlides/notesSlide1.xml><?xml version="1.0" encoding="utf-8"?>
+<p:notes xmlns:a="http://schemas.openxmlformats.org/drawingml/2006/main" xmlns:r="http://schemas.openxmlformats.org/officeDocument/2006/relationships" xmlns:p="http://schemas.openxmlformats.org/presentationml/2006/main">
+  <p:cSld>
+    <p:spTree>
+      <p:nvGrpSpPr>
+        <p:cNvPr id="1" name=""/>
+        <p:cNvGrpSpPr/>
+        <p:nvPr/>
+      </p:nvGrpSpPr>
+      <p:grpSpPr>
+        <a:xfrm>
+          <a:off x="0" y="0"/>
+          <a:ext cx="0" cy="0"/>
+          <a:chOff x="0" y="0"/>
+          <a:chExt cx="0" cy="0"/>
+        </a:xfrm>
+      </p:grpSpPr>
+      <p:sp>
+        <p:nvSpPr>
+          <p:cNvPr id="2" name="슬라이드 이미지 개체 틀 1"/>
+          <p:cNvSpPr>
+            <a:spLocks noGrp="1" noRot="1" noChangeAspect="1"/>
+          </p:cNvSpPr>
+          <p:nvPr>
+            <p:ph type="sldImg"/>
+          </p:nvPr>
+        </p:nvSpPr>
+        <p:spPr/>
+      </p:sp>
+      <p:sp>
+        <p:nvSpPr>
+          <p:cNvPr id="3" name="슬라이드 노트 개체 틀 2"/>
+          <p:cNvSpPr>
+            <a:spLocks noGrp="1"/>
+          </p:cNvSpPr>
+          <p:nvPr>
+            <p:ph type="body" idx="1"/>
+          </p:nvPr>
+        </p:nvSpPr>
+        <p:spPr/>
+        <p:txBody>
+          <a:bodyPr/>
+          <a:lstStyle/>
+          <a:p>
+            <a:r>
+              <a:rPr lang="en-US" altLang="ko-KR" dirty="0"/>
+              <a:t>Desktop: Created by </a:t>
+            </a:r>
+            <a:r>
+              <a:rPr lang="en-US" altLang="ko-KR" dirty="0" err="1"/>
+              <a:t>Bonegolem</a:t>
+            </a:r>
+            <a:r>
+              <a:rPr lang="en-US" altLang="ko-KR" dirty="0"/>
+              <a:t> from Noun Project</a:t>
+            </a:r>
+          </a:p>
+          <a:p>
+            <a:r>
+              <a:rPr lang="en-US" altLang="ko-KR" dirty="0"/>
+              <a:t>Webcam: Created by </a:t>
+            </a:r>
+            <a:r>
+              <a:rPr lang="en-US" altLang="ko-KR" dirty="0" err="1"/>
+              <a:t>Colourcreatype</a:t>
+            </a:r>
+            <a:r>
+              <a:rPr lang="en-US" altLang="ko-KR" dirty="0"/>
+              <a:t> from Noun Project</a:t>
+            </a:r>
+            <a:endParaRPr lang="ko-KR" altLang="en-US" dirty="0"/>
+          </a:p>
+        </p:txBody>
+      </p:sp>
+      <p:sp>
+        <p:nvSpPr>
+          <p:cNvPr id="4" name="슬라이드 번호 개체 틀 3"/>
+          <p:cNvSpPr>
+            <a:spLocks noGrp="1"/>
+          </p:cNvSpPr>
+          <p:nvPr>
+            <p:ph type="sldNum" sz="quarter" idx="5"/>
+          </p:nvPr>
+        </p:nvSpPr>
+        <p:spPr/>
+        <p:txBody>
+          <a:bodyPr/>
+          <a:lstStyle/>
+          <a:p>
+            <a:fld id="{405A80EF-BB58-41CB-BC0F-EBF5A2676604}" type="slidenum">
+              <a:rPr lang="ko-KR" altLang="en-US" smtClean="0"/>
+              <a:t>3</a:t>
+            </a:fld>
+            <a:endParaRPr lang="ko-KR" altLang="en-US"/>
+          </a:p>
+        </p:txBody>
+      </p:sp>
+    </p:spTree>
+    <p:extLst>
+      <p:ext uri="{BB962C8B-B14F-4D97-AF65-F5344CB8AC3E}">
+        <p14:creationId xmlns:p14="http://schemas.microsoft.com/office/powerpoint/2010/main" val="1110027942"/>
+      </p:ext>
+    </p:extLst>
+  </p:cSld>
+  <p:clrMapOvr>
+    <a:masterClrMapping/>
+  </p:clrMapOvr>
+</p:notes>
+</file>
+
+<file path=ppt/notesSlides/notesSlide2.xml><?xml version="1.0" encoding="utf-8"?>
+<p:notes xmlns:a="http://schemas.openxmlformats.org/drawingml/2006/main" xmlns:r="http://schemas.openxmlformats.org/officeDocument/2006/relationships" xmlns:p="http://schemas.openxmlformats.org/presentationml/2006/main">
+  <p:cSld>
+    <p:spTree>
+      <p:nvGrpSpPr>
+        <p:cNvPr id="1" name=""/>
+        <p:cNvGrpSpPr/>
+        <p:nvPr/>
+      </p:nvGrpSpPr>
+      <p:grpSpPr>
+        <a:xfrm>
+          <a:off x="0" y="0"/>
+          <a:ext cx="0" cy="0"/>
+          <a:chOff x="0" y="0"/>
+          <a:chExt cx="0" cy="0"/>
+        </a:xfrm>
+      </p:grpSpPr>
+      <p:sp>
+        <p:nvSpPr>
+          <p:cNvPr id="2" name="슬라이드 이미지 개체 틀 1"/>
+          <p:cNvSpPr>
+            <a:spLocks noGrp="1" noRot="1" noChangeAspect="1"/>
+          </p:cNvSpPr>
+          <p:nvPr>
+            <p:ph type="sldImg"/>
+          </p:nvPr>
+        </p:nvSpPr>
+        <p:spPr/>
+      </p:sp>
+      <p:sp>
+        <p:nvSpPr>
+          <p:cNvPr id="3" name="슬라이드 노트 개체 틀 2"/>
+          <p:cNvSpPr>
+            <a:spLocks noGrp="1"/>
+          </p:cNvSpPr>
+          <p:nvPr>
+            <p:ph type="body" idx="1"/>
+          </p:nvPr>
+        </p:nvSpPr>
+        <p:spPr/>
+        <p:txBody>
+          <a:bodyPr/>
+          <a:lstStyle/>
+          <a:p>
+            <a:r>
+              <a:rPr lang="en-US" altLang="ko-KR" dirty="0"/>
+              <a:t>Desktop: Created by </a:t>
+            </a:r>
+            <a:r>
+              <a:rPr lang="en-US" altLang="ko-KR" dirty="0" err="1"/>
+              <a:t>Bonegolem</a:t>
+            </a:r>
+            <a:r>
+              <a:rPr lang="en-US" altLang="ko-KR" dirty="0"/>
+              <a:t> from Noun Project</a:t>
+            </a:r>
+          </a:p>
+          <a:p>
+            <a:r>
+              <a:rPr lang="en-US" altLang="ko-KR" dirty="0"/>
+              <a:t>Webcam: Created by </a:t>
+            </a:r>
+            <a:r>
+              <a:rPr lang="en-US" altLang="ko-KR" dirty="0" err="1"/>
+              <a:t>Colourcreatype</a:t>
+            </a:r>
+            <a:r>
+              <a:rPr lang="en-US" altLang="ko-KR" dirty="0"/>
+              <a:t> from Noun Project</a:t>
+            </a:r>
+            <a:endParaRPr lang="ko-KR" altLang="en-US" dirty="0"/>
+          </a:p>
+        </p:txBody>
+      </p:sp>
+      <p:sp>
+        <p:nvSpPr>
+          <p:cNvPr id="4" name="슬라이드 번호 개체 틀 3"/>
+          <p:cNvSpPr>
+            <a:spLocks noGrp="1"/>
+          </p:cNvSpPr>
+          <p:nvPr>
+            <p:ph type="sldNum" sz="quarter" idx="5"/>
+          </p:nvPr>
+        </p:nvSpPr>
+        <p:spPr/>
+        <p:txBody>
+          <a:bodyPr/>
+          <a:lstStyle/>
+          <a:p>
+            <a:fld id="{405A80EF-BB58-41CB-BC0F-EBF5A2676604}" type="slidenum">
+              <a:rPr lang="ko-KR" altLang="en-US" smtClean="0"/>
+              <a:t>5</a:t>
+            </a:fld>
+            <a:endParaRPr lang="ko-KR" altLang="en-US"/>
+          </a:p>
+        </p:txBody>
+      </p:sp>
+    </p:spTree>
+    <p:extLst>
+      <p:ext uri="{BB962C8B-B14F-4D97-AF65-F5344CB8AC3E}">
+        <p14:creationId xmlns:p14="http://schemas.microsoft.com/office/powerpoint/2010/main" val="909059907"/>
+      </p:ext>
+    </p:extLst>
+  </p:cSld>
+  <p:clrMapOvr>
+    <a:masterClrMapping/>
+  </p:clrMapOvr>
+</p:notes>
+</file>
+
+<file path=ppt/notesSlides/notesSlide3.xml><?xml version="1.0" encoding="utf-8"?>
+<p:notes xmlns:a="http://schemas.openxmlformats.org/drawingml/2006/main" xmlns:r="http://schemas.openxmlformats.org/officeDocument/2006/relationships" xmlns:p="http://schemas.openxmlformats.org/presentationml/2006/main">
+  <p:cSld>
+    <p:spTree>
+      <p:nvGrpSpPr>
+        <p:cNvPr id="1" name=""/>
+        <p:cNvGrpSpPr/>
+        <p:nvPr/>
+      </p:nvGrpSpPr>
+      <p:grpSpPr>
+        <a:xfrm>
+          <a:off x="0" y="0"/>
+          <a:ext cx="0" cy="0"/>
+          <a:chOff x="0" y="0"/>
+          <a:chExt cx="0" cy="0"/>
+        </a:xfrm>
+      </p:grpSpPr>
+      <p:sp>
+        <p:nvSpPr>
+          <p:cNvPr id="2" name="슬라이드 이미지 개체 틀 1"/>
+          <p:cNvSpPr>
+            <a:spLocks noGrp="1" noRot="1" noChangeAspect="1"/>
+          </p:cNvSpPr>
+          <p:nvPr>
+            <p:ph type="sldImg"/>
+          </p:nvPr>
+        </p:nvSpPr>
+        <p:spPr/>
+      </p:sp>
+      <p:sp>
+        <p:nvSpPr>
+          <p:cNvPr id="3" name="슬라이드 노트 개체 틀 2"/>
+          <p:cNvSpPr>
+            <a:spLocks noGrp="1"/>
+          </p:cNvSpPr>
+          <p:nvPr>
+            <p:ph type="body" idx="1"/>
+          </p:nvPr>
+        </p:nvSpPr>
+        <p:spPr/>
+        <p:txBody>
+          <a:bodyPr/>
+          <a:lstStyle/>
+          <a:p>
+            <a:endParaRPr lang="ko-KR" altLang="en-US" dirty="0"/>
+          </a:p>
+        </p:txBody>
+      </p:sp>
+      <p:sp>
+        <p:nvSpPr>
+          <p:cNvPr id="4" name="슬라이드 번호 개체 틀 3"/>
+          <p:cNvSpPr>
+            <a:spLocks noGrp="1"/>
+          </p:cNvSpPr>
+          <p:nvPr>
+            <p:ph type="sldNum" sz="quarter" idx="5"/>
+          </p:nvPr>
+        </p:nvSpPr>
+        <p:spPr/>
+        <p:txBody>
+          <a:bodyPr/>
+          <a:lstStyle/>
+          <a:p>
+            <a:fld id="{405A80EF-BB58-41CB-BC0F-EBF5A2676604}" type="slidenum">
+              <a:rPr lang="ko-KR" altLang="en-US" smtClean="0"/>
+              <a:t>7</a:t>
+            </a:fld>
+            <a:endParaRPr lang="ko-KR" altLang="en-US"/>
+          </a:p>
+        </p:txBody>
+      </p:sp>
+    </p:spTree>
+    <p:extLst>
+      <p:ext uri="{BB962C8B-B14F-4D97-AF65-F5344CB8AC3E}">
+        <p14:creationId xmlns:p14="http://schemas.microsoft.com/office/powerpoint/2010/main" val="1363227344"/>
+      </p:ext>
+    </p:extLst>
+  </p:cSld>
+  <p:clrMapOvr>
+    <a:masterClrMapping/>
+  </p:clrMapOvr>
+</p:notes>
+</file>
+
+<file path=ppt/notesSlides/notesSlide4.xml><?xml version="1.0" encoding="utf-8"?>
+<p:notes xmlns:a="http://schemas.openxmlformats.org/drawingml/2006/main" xmlns:r="http://schemas.openxmlformats.org/officeDocument/2006/relationships" xmlns:p="http://schemas.openxmlformats.org/presentationml/2006/main">
+  <p:cSld>
+    <p:spTree>
+      <p:nvGrpSpPr>
+        <p:cNvPr id="1" name=""/>
+        <p:cNvGrpSpPr/>
+        <p:nvPr/>
+      </p:nvGrpSpPr>
+      <p:grpSpPr>
+        <a:xfrm>
+          <a:off x="0" y="0"/>
+          <a:ext cx="0" cy="0"/>
+          <a:chOff x="0" y="0"/>
+          <a:chExt cx="0" cy="0"/>
+        </a:xfrm>
+      </p:grpSpPr>
+      <p:sp>
+        <p:nvSpPr>
+          <p:cNvPr id="2" name="슬라이드 이미지 개체 틀 1"/>
+          <p:cNvSpPr>
+            <a:spLocks noGrp="1" noRot="1" noChangeAspect="1"/>
+          </p:cNvSpPr>
+          <p:nvPr>
+            <p:ph type="sldImg"/>
+          </p:nvPr>
+        </p:nvSpPr>
+        <p:spPr/>
+      </p:sp>
+      <p:sp>
+        <p:nvSpPr>
+          <p:cNvPr id="3" name="슬라이드 노트 개체 틀 2"/>
+          <p:cNvSpPr>
+            <a:spLocks noGrp="1"/>
+          </p:cNvSpPr>
+          <p:nvPr>
+            <p:ph type="body" idx="1"/>
+          </p:nvPr>
+        </p:nvSpPr>
+        <p:spPr/>
+        <p:txBody>
+          <a:bodyPr/>
+          <a:lstStyle/>
+          <a:p>
+            <a:endParaRPr lang="ko-KR" altLang="en-US" dirty="0"/>
+          </a:p>
+        </p:txBody>
+      </p:sp>
+      <p:sp>
+        <p:nvSpPr>
+          <p:cNvPr id="4" name="슬라이드 번호 개체 틀 3"/>
+          <p:cNvSpPr>
+            <a:spLocks noGrp="1"/>
+          </p:cNvSpPr>
+          <p:nvPr>
+            <p:ph type="sldNum" sz="quarter" idx="5"/>
+          </p:nvPr>
+        </p:nvSpPr>
+        <p:spPr/>
+        <p:txBody>
+          <a:bodyPr/>
+          <a:lstStyle/>
+          <a:p>
+            <a:fld id="{405A80EF-BB58-41CB-BC0F-EBF5A2676604}" type="slidenum">
+              <a:rPr lang="ko-KR" altLang="en-US" smtClean="0"/>
+              <a:t>8</a:t>
+            </a:fld>
+            <a:endParaRPr lang="ko-KR" altLang="en-US"/>
+          </a:p>
+        </p:txBody>
+      </p:sp>
+    </p:spTree>
+    <p:extLst>
+      <p:ext uri="{BB962C8B-B14F-4D97-AF65-F5344CB8AC3E}">
+        <p14:creationId xmlns:p14="http://schemas.microsoft.com/office/powerpoint/2010/main" val="3690969965"/>
+      </p:ext>
+    </p:extLst>
+  </p:cSld>
+  <p:clrMapOvr>
+    <a:masterClrMapping/>
+  </p:clrMapOvr>
+</p:notes>
+</file>
+
+<file path=ppt/notesSlides/notesSlide5.xml><?xml version="1.0" encoding="utf-8"?>
+<p:notes xmlns:a="http://schemas.openxmlformats.org/drawingml/2006/main" xmlns:r="http://schemas.openxmlformats.org/officeDocument/2006/relationships" xmlns:p="http://schemas.openxmlformats.org/presentationml/2006/main">
+  <p:cSld>
+    <p:spTree>
+      <p:nvGrpSpPr>
+        <p:cNvPr id="1" name=""/>
+        <p:cNvGrpSpPr/>
+        <p:nvPr/>
+      </p:nvGrpSpPr>
+      <p:grpSpPr>
+        <a:xfrm>
+          <a:off x="0" y="0"/>
+          <a:ext cx="0" cy="0"/>
+          <a:chOff x="0" y="0"/>
+          <a:chExt cx="0" cy="0"/>
+        </a:xfrm>
+      </p:grpSpPr>
+      <p:sp>
+        <p:nvSpPr>
+          <p:cNvPr id="2" name="슬라이드 이미지 개체 틀 1"/>
+          <p:cNvSpPr>
+            <a:spLocks noGrp="1" noRot="1" noChangeAspect="1"/>
+          </p:cNvSpPr>
+          <p:nvPr>
+            <p:ph type="sldImg"/>
+          </p:nvPr>
+        </p:nvSpPr>
+        <p:spPr/>
+      </p:sp>
+      <p:sp>
+        <p:nvSpPr>
+          <p:cNvPr id="3" name="슬라이드 노트 개체 틀 2"/>
+          <p:cNvSpPr>
+            <a:spLocks noGrp="1"/>
+          </p:cNvSpPr>
+          <p:nvPr>
+            <p:ph type="body" idx="1"/>
+          </p:nvPr>
+        </p:nvSpPr>
+        <p:spPr/>
+        <p:txBody>
+          <a:bodyPr/>
+          <a:lstStyle/>
+          <a:p>
+            <a:endParaRPr lang="ko-KR" altLang="en-US" dirty="0"/>
+          </a:p>
+        </p:txBody>
+      </p:sp>
+      <p:sp>
+        <p:nvSpPr>
+          <p:cNvPr id="4" name="슬라이드 번호 개체 틀 3"/>
+          <p:cNvSpPr>
+            <a:spLocks noGrp="1"/>
+          </p:cNvSpPr>
+          <p:nvPr>
+            <p:ph type="sldNum" sz="quarter" idx="5"/>
+          </p:nvPr>
+        </p:nvSpPr>
+        <p:spPr/>
+        <p:txBody>
+          <a:bodyPr/>
+          <a:lstStyle/>
+          <a:p>
+            <a:fld id="{405A80EF-BB58-41CB-BC0F-EBF5A2676604}" type="slidenum">
+              <a:rPr lang="ko-KR" altLang="en-US" smtClean="0"/>
+              <a:t>9</a:t>
+            </a:fld>
+            <a:endParaRPr lang="ko-KR" altLang="en-US"/>
+          </a:p>
+        </p:txBody>
+      </p:sp>
+    </p:spTree>
+    <p:extLst>
+      <p:ext uri="{BB962C8B-B14F-4D97-AF65-F5344CB8AC3E}">
+        <p14:creationId xmlns:p14="http://schemas.microsoft.com/office/powerpoint/2010/main" val="2274596609"/>
+      </p:ext>
+    </p:extLst>
+  </p:cSld>
+  <p:clrMapOvr>
+    <a:masterClrMapping/>
+  </p:clrMapOvr>
+</p:notes>
+</file>
+
+<file path=ppt/notesSlides/notesSlide6.xml><?xml version="1.0" encoding="utf-8"?>
+<p:notes xmlns:a="http://schemas.openxmlformats.org/drawingml/2006/main" xmlns:r="http://schemas.openxmlformats.org/officeDocument/2006/relationships" xmlns:p="http://schemas.openxmlformats.org/presentationml/2006/main">
+  <p:cSld>
+    <p:spTree>
+      <p:nvGrpSpPr>
+        <p:cNvPr id="1" name=""/>
+        <p:cNvGrpSpPr/>
+        <p:nvPr/>
+      </p:nvGrpSpPr>
+      <p:grpSpPr>
+        <a:xfrm>
+          <a:off x="0" y="0"/>
+          <a:ext cx="0" cy="0"/>
+          <a:chOff x="0" y="0"/>
+          <a:chExt cx="0" cy="0"/>
+        </a:xfrm>
+      </p:grpSpPr>
+      <p:sp>
+        <p:nvSpPr>
+          <p:cNvPr id="2" name="슬라이드 이미지 개체 틀 1"/>
+          <p:cNvSpPr>
+            <a:spLocks noGrp="1" noRot="1" noChangeAspect="1"/>
+          </p:cNvSpPr>
+          <p:nvPr>
+            <p:ph type="sldImg"/>
+          </p:nvPr>
+        </p:nvSpPr>
+        <p:spPr/>
+      </p:sp>
+      <p:sp>
+        <p:nvSpPr>
+          <p:cNvPr id="3" name="슬라이드 노트 개체 틀 2"/>
+          <p:cNvSpPr>
+            <a:spLocks noGrp="1"/>
+          </p:cNvSpPr>
+          <p:nvPr>
+            <p:ph type="body" idx="1"/>
+          </p:nvPr>
+        </p:nvSpPr>
+        <p:spPr/>
+        <p:txBody>
+          <a:bodyPr/>
+          <a:lstStyle/>
+          <a:p>
+            <a:endParaRPr lang="ko-KR" altLang="en-US" dirty="0"/>
+          </a:p>
+        </p:txBody>
+      </p:sp>
+      <p:sp>
+        <p:nvSpPr>
+          <p:cNvPr id="4" name="슬라이드 번호 개체 틀 3"/>
+          <p:cNvSpPr>
+            <a:spLocks noGrp="1"/>
+          </p:cNvSpPr>
+          <p:nvPr>
+            <p:ph type="sldNum" sz="quarter" idx="5"/>
+          </p:nvPr>
+        </p:nvSpPr>
+        <p:spPr/>
+        <p:txBody>
+          <a:bodyPr/>
+          <a:lstStyle/>
+          <a:p>
+            <a:fld id="{405A80EF-BB58-41CB-BC0F-EBF5A2676604}" type="slidenum">
+              <a:rPr lang="ko-KR" altLang="en-US" smtClean="0"/>
+              <a:t>10</a:t>
+            </a:fld>
+            <a:endParaRPr lang="ko-KR" altLang="en-US"/>
+          </a:p>
+        </p:txBody>
+      </p:sp>
+    </p:spTree>
+    <p:extLst>
+      <p:ext uri="{BB962C8B-B14F-4D97-AF65-F5344CB8AC3E}">
+        <p14:creationId xmlns:p14="http://schemas.microsoft.com/office/powerpoint/2010/main" val="947060416"/>
+      </p:ext>
+    </p:extLst>
+  </p:cSld>
+  <p:clrMapOvr>
+    <a:masterClrMapping/>
+  </p:clrMapOvr>
+</p:notes>
+</file>
+
 <file path=ppt/slideLayouts/slideLayout1.xml><?xml version="1.0" encoding="utf-8"?>
 <p:sldLayout xmlns:a="http://schemas.openxmlformats.org/drawingml/2006/main" xmlns:r="http://schemas.openxmlformats.org/officeDocument/2006/relationships" xmlns:p="http://schemas.openxmlformats.org/presentationml/2006/main" type="title" preserve="1">
   <p:cSld name="제목 슬라이드">
@@ -627,7 +1188,7 @@
           <a:p>
             <a:fld id="{2FCA0E78-9965-49B5-800E-8D686680E06F}" type="datetime1">
               <a:rPr lang="ko-KR" altLang="en-US" smtClean="0"/>
-              <a:t>2020-04-23</a:t>
+              <a:t>2020-04-24</a:t>
             </a:fld>
             <a:endParaRPr lang="ko-KR" altLang="en-US"/>
           </a:p>
@@ -796,7 +1357,7 @@
           <a:p>
             <a:fld id="{CF0F1997-FC62-42DC-90F6-C95D74171B5F}" type="datetime1">
               <a:rPr lang="ko-KR" altLang="en-US" smtClean="0"/>
-              <a:t>2020-04-23</a:t>
+              <a:t>2020-04-24</a:t>
             </a:fld>
             <a:endParaRPr lang="ko-KR" altLang="en-US"/>
           </a:p>
@@ -1012,7 +1573,7 @@
           <a:p>
             <a:fld id="{161D4168-09BD-4323-9D26-8A0E00274E42}" type="datetime1">
               <a:rPr lang="ko-KR" altLang="en-US" smtClean="0"/>
-              <a:t>2020-04-23</a:t>
+              <a:t>2020-04-24</a:t>
             </a:fld>
             <a:endParaRPr lang="ko-KR" altLang="en-US"/>
           </a:p>
@@ -1133,7 +1694,7 @@
           <a:p>
             <a:fld id="{37338896-96FF-4994-9679-05225570C6BF}" type="datetime1">
               <a:rPr lang="ko-KR" altLang="en-US" smtClean="0"/>
-              <a:t>2020-04-23</a:t>
+              <a:t>2020-04-24</a:t>
             </a:fld>
             <a:endParaRPr lang="ko-KR" altLang="en-US"/>
           </a:p>
@@ -1592,7 +2153,7 @@
           <a:p>
             <a:fld id="{9D3F1D97-D08A-42F4-8004-8D239AC04EDB}" type="datetime1">
               <a:rPr lang="ko-KR" altLang="en-US" smtClean="0"/>
-              <a:t>2020-04-23</a:t>
+              <a:t>2020-04-24</a:t>
             </a:fld>
             <a:endParaRPr lang="ko-KR" altLang="en-US"/>
           </a:p>
@@ -1865,7 +2426,7 @@
           <a:p>
             <a:fld id="{2033D44A-D096-437E-AB68-849C97DC06BA}" type="datetime1">
               <a:rPr lang="ko-KR" altLang="en-US" smtClean="0"/>
-              <a:t>2020-04-23</a:t>
+              <a:t>2020-04-24</a:t>
             </a:fld>
             <a:endParaRPr lang="ko-KR" altLang="en-US"/>
           </a:p>
@@ -2285,7 +2846,7 @@
           <a:p>
             <a:fld id="{23D35708-D27C-4D05-A3B7-C9A44FF1611F}" type="datetime1">
               <a:rPr lang="ko-KR" altLang="en-US" smtClean="0"/>
-              <a:t>2020-04-23</a:t>
+              <a:t>2020-04-24</a:t>
             </a:fld>
             <a:endParaRPr lang="ko-KR" altLang="en-US"/>
           </a:p>
@@ -2434,7 +2995,7 @@
           <a:p>
             <a:fld id="{D20B75E7-A968-409D-8DB7-6B3CDF72C5B4}" type="datetime1">
               <a:rPr lang="ko-KR" altLang="en-US" smtClean="0"/>
-              <a:t>2020-04-23</a:t>
+              <a:t>2020-04-24</a:t>
             </a:fld>
             <a:endParaRPr lang="ko-KR" altLang="en-US"/>
           </a:p>
@@ -2555,7 +3116,7 @@
           <a:p>
             <a:fld id="{5A3CA3E5-F399-43F1-9BE0-8D50397973E4}" type="datetime1">
               <a:rPr lang="ko-KR" altLang="en-US" smtClean="0"/>
-              <a:t>2020-04-23</a:t>
+              <a:t>2020-04-24</a:t>
             </a:fld>
             <a:endParaRPr lang="ko-KR" altLang="en-US"/>
           </a:p>
@@ -2874,7 +3435,7 @@
           <a:p>
             <a:fld id="{75742EB5-F5E2-449B-B85E-2AD7CA919F70}" type="datetime1">
               <a:rPr lang="ko-KR" altLang="en-US" smtClean="0"/>
-              <a:t>2020-04-23</a:t>
+              <a:t>2020-04-24</a:t>
             </a:fld>
             <a:endParaRPr lang="ko-KR" altLang="en-US"/>
           </a:p>
@@ -3170,7 +3731,7 @@
           <a:p>
             <a:fld id="{80F19E34-E215-43ED-8A9E-59D20DAD6AFB}" type="datetime1">
               <a:rPr lang="ko-KR" altLang="en-US" smtClean="0"/>
-              <a:t>2020-04-23</a:t>
+              <a:t>2020-04-24</a:t>
             </a:fld>
             <a:endParaRPr lang="ko-KR" altLang="en-US"/>
           </a:p>
@@ -3419,7 +3980,7 @@
           <a:p>
             <a:fld id="{80C0F715-BD53-41A2-8E43-B48C2ED034FC}" type="datetime1">
               <a:rPr lang="ko-KR" altLang="en-US" smtClean="0"/>
-              <a:t>2020-04-23</a:t>
+              <a:t>2020-04-24</a:t>
             </a:fld>
             <a:endParaRPr lang="ko-KR" altLang="en-US"/>
           </a:p>
@@ -4054,6 +4615,542 @@
 </p:sld>
 </file>
 
+<file path=ppt/slides/slide10.xml><?xml version="1.0" encoding="utf-8"?>
+<p:sld xmlns:a="http://schemas.openxmlformats.org/drawingml/2006/main" xmlns:r="http://schemas.openxmlformats.org/officeDocument/2006/relationships" xmlns:p="http://schemas.openxmlformats.org/presentationml/2006/main">
+  <p:cSld>
+    <p:spTree>
+      <p:nvGrpSpPr>
+        <p:cNvPr id="1" name=""/>
+        <p:cNvGrpSpPr/>
+        <p:nvPr/>
+      </p:nvGrpSpPr>
+      <p:grpSpPr>
+        <a:xfrm>
+          <a:off x="0" y="0"/>
+          <a:ext cx="0" cy="0"/>
+          <a:chOff x="0" y="0"/>
+          <a:chExt cx="0" cy="0"/>
+        </a:xfrm>
+      </p:grpSpPr>
+      <p:sp>
+        <p:nvSpPr>
+          <p:cNvPr id="3" name="내용 개체 틀 2">
+            <a:extLst>
+              <a:ext uri="{FF2B5EF4-FFF2-40B4-BE49-F238E27FC236}">
+                <a16:creationId xmlns:a16="http://schemas.microsoft.com/office/drawing/2014/main" id="{CB91D253-CDB1-464C-8F8C-90DF69FCD1E1}"/>
+              </a:ext>
+            </a:extLst>
+          </p:cNvPr>
+          <p:cNvSpPr>
+            <a:spLocks noGrp="1"/>
+          </p:cNvSpPr>
+          <p:nvPr>
+            <p:ph idx="13"/>
+          </p:nvPr>
+        </p:nvSpPr>
+        <p:spPr>
+          <a:xfrm>
+            <a:off x="289560" y="1619436"/>
+            <a:ext cx="5766589" cy="4351338"/>
+          </a:xfrm>
+        </p:spPr>
+        <p:txBody>
+          <a:bodyPr/>
+          <a:lstStyle/>
+          <a:p>
+            <a:r>
+              <a:rPr lang="ko-KR" altLang="en-US" dirty="0"/>
+              <a:t>우측 상단의 </a:t>
+            </a:r>
+            <a:r>
+              <a:rPr lang="en-US" altLang="ko-KR" dirty="0"/>
+              <a:t>‘</a:t>
+            </a:r>
+            <a:r>
+              <a:rPr lang="ko-KR" altLang="en-US" dirty="0"/>
+              <a:t>고급 설정‘</a:t>
+            </a:r>
+            <a:r>
+              <a:rPr lang="en-US" altLang="ko-KR" dirty="0"/>
+              <a:t>, ‘</a:t>
+            </a:r>
+            <a:r>
+              <a:rPr lang="ko-KR" altLang="en-US" dirty="0"/>
+              <a:t>폴더 열기‘</a:t>
+            </a:r>
+            <a:r>
+              <a:rPr lang="en-US" altLang="ko-KR" dirty="0"/>
+              <a:t>, ‘</a:t>
+            </a:r>
+            <a:r>
+              <a:rPr lang="ko-KR" altLang="en-US" dirty="0"/>
+              <a:t>날짜 선택</a:t>
+            </a:r>
+            <a:r>
+              <a:rPr lang="en-US" altLang="ko-KR" dirty="0"/>
+              <a:t>’ </a:t>
+            </a:r>
+            <a:r>
+              <a:rPr lang="ko-KR" altLang="en-US" dirty="0"/>
+              <a:t>버튼을 클릭하여 부가 </a:t>
+            </a:r>
+            <a:br>
+              <a:rPr lang="en-US" altLang="ko-KR" dirty="0"/>
+            </a:br>
+            <a:r>
+              <a:rPr lang="ko-KR" altLang="en-US" dirty="0"/>
+              <a:t>기능을 사용할 수 있다</a:t>
+            </a:r>
+            <a:r>
+              <a:rPr lang="en-US" altLang="ko-KR" dirty="0"/>
+              <a:t>.</a:t>
+            </a:r>
+          </a:p>
+          <a:p>
+            <a:r>
+              <a:rPr lang="en-US" altLang="ko-KR" dirty="0"/>
+              <a:t>‘</a:t>
+            </a:r>
+            <a:r>
+              <a:rPr lang="ko-KR" altLang="en-US" dirty="0"/>
+              <a:t>고급 설정‘</a:t>
+            </a:r>
+            <a:r>
+              <a:rPr lang="en-US" altLang="ko-KR" dirty="0"/>
+              <a:t> </a:t>
+            </a:r>
+            <a:r>
+              <a:rPr lang="ko-KR" altLang="en-US" dirty="0"/>
+              <a:t>에서 설정할 수 있는 저장 폴더의 </a:t>
+            </a:r>
+            <a:r>
+              <a:rPr lang="en-US" altLang="ko-KR" dirty="0"/>
+              <a:t>Default </a:t>
+            </a:r>
+            <a:r>
+              <a:rPr lang="ko-KR" altLang="en-US" dirty="0"/>
+              <a:t>경로는 </a:t>
+            </a:r>
+            <a:r>
+              <a:rPr lang="en-US" altLang="ko-KR" dirty="0"/>
+              <a:t>‘C://</a:t>
+            </a:r>
+            <a:r>
+              <a:rPr lang="en-US" altLang="ko-KR" dirty="0" err="1"/>
+              <a:t>MD_Capture</a:t>
+            </a:r>
+            <a:r>
+              <a:rPr lang="en-US" altLang="ko-KR" dirty="0"/>
+              <a:t>’ </a:t>
+            </a:r>
+            <a:r>
+              <a:rPr lang="ko-KR" altLang="en-US" dirty="0"/>
+              <a:t>이다</a:t>
+            </a:r>
+            <a:r>
+              <a:rPr lang="en-US" altLang="ko-KR" dirty="0"/>
+              <a:t>.</a:t>
+            </a:r>
+          </a:p>
+          <a:p>
+            <a:r>
+              <a:rPr lang="en-US" altLang="ko-KR" dirty="0"/>
+              <a:t>‘</a:t>
+            </a:r>
+            <a:r>
+              <a:rPr lang="ko-KR" altLang="en-US" dirty="0"/>
+              <a:t>폴더 열기‘</a:t>
+            </a:r>
+            <a:r>
+              <a:rPr lang="en-US" altLang="ko-KR" dirty="0"/>
+              <a:t> </a:t>
+            </a:r>
+            <a:r>
+              <a:rPr lang="ko-KR" altLang="en-US" dirty="0"/>
+              <a:t>버튼의 </a:t>
+            </a:r>
+            <a:r>
+              <a:rPr lang="en-US" altLang="ko-KR" dirty="0"/>
+              <a:t>Default </a:t>
+            </a:r>
+            <a:r>
+              <a:rPr lang="ko-KR" altLang="en-US" dirty="0"/>
+              <a:t>경로는</a:t>
+            </a:r>
+            <a:br>
+              <a:rPr lang="en-US" altLang="ko-KR" dirty="0"/>
+            </a:br>
+            <a:r>
+              <a:rPr lang="ko-KR" altLang="en-US" dirty="0"/>
+              <a:t>오늘 날짜이다</a:t>
+            </a:r>
+            <a:r>
+              <a:rPr lang="en-US" altLang="ko-KR" dirty="0"/>
+              <a:t>.</a:t>
+            </a:r>
+          </a:p>
+        </p:txBody>
+      </p:sp>
+      <p:sp>
+        <p:nvSpPr>
+          <p:cNvPr id="4" name="제목 3">
+            <a:extLst>
+              <a:ext uri="{FF2B5EF4-FFF2-40B4-BE49-F238E27FC236}">
+                <a16:creationId xmlns:a16="http://schemas.microsoft.com/office/drawing/2014/main" id="{4DE8B632-FE36-4D4B-A70D-A2F1381D4749}"/>
+              </a:ext>
+            </a:extLst>
+          </p:cNvPr>
+          <p:cNvSpPr>
+            <a:spLocks noGrp="1"/>
+          </p:cNvSpPr>
+          <p:nvPr>
+            <p:ph type="title"/>
+          </p:nvPr>
+        </p:nvSpPr>
+        <p:spPr/>
+        <p:txBody>
+          <a:bodyPr/>
+          <a:lstStyle/>
+          <a:p>
+            <a:r>
+              <a:rPr lang="ko-KR" altLang="en-US" dirty="0"/>
+              <a:t>  실행 및 사용 방법</a:t>
+            </a:r>
+          </a:p>
+        </p:txBody>
+      </p:sp>
+      <p:pic>
+        <p:nvPicPr>
+          <p:cNvPr id="6" name="그림 5">
+            <a:extLst>
+              <a:ext uri="{FF2B5EF4-FFF2-40B4-BE49-F238E27FC236}">
+                <a16:creationId xmlns:a16="http://schemas.microsoft.com/office/drawing/2014/main" id="{6BF102D5-D42C-49A3-ADBD-EEB607A22F75}"/>
+              </a:ext>
+            </a:extLst>
+          </p:cNvPr>
+          <p:cNvPicPr>
+            <a:picLocks noChangeAspect="1"/>
+          </p:cNvPicPr>
+          <p:nvPr/>
+        </p:nvPicPr>
+        <p:blipFill>
+          <a:blip r:embed="rId3"/>
+          <a:stretch>
+            <a:fillRect/>
+          </a:stretch>
+        </p:blipFill>
+        <p:spPr>
+          <a:xfrm>
+            <a:off x="6056149" y="1828801"/>
+            <a:ext cx="5846291" cy="3944422"/>
+          </a:xfrm>
+          <a:prstGeom prst="rect">
+            <a:avLst/>
+          </a:prstGeom>
+        </p:spPr>
+      </p:pic>
+      <p:sp>
+        <p:nvSpPr>
+          <p:cNvPr id="5" name="직사각형 4">
+            <a:extLst>
+              <a:ext uri="{FF2B5EF4-FFF2-40B4-BE49-F238E27FC236}">
+                <a16:creationId xmlns:a16="http://schemas.microsoft.com/office/drawing/2014/main" id="{6A96375C-1F61-4303-9CB5-9191282F4880}"/>
+              </a:ext>
+            </a:extLst>
+          </p:cNvPr>
+          <p:cNvSpPr/>
+          <p:nvPr/>
+        </p:nvSpPr>
+        <p:spPr>
+          <a:xfrm>
+            <a:off x="10635650" y="2870017"/>
+            <a:ext cx="1169670" cy="265069"/>
+          </a:xfrm>
+          <a:prstGeom prst="rect">
+            <a:avLst/>
+          </a:prstGeom>
+          <a:noFill/>
+          <a:ln w="38100">
+            <a:solidFill>
+              <a:srgbClr val="FF0000"/>
+            </a:solidFill>
+          </a:ln>
+        </p:spPr>
+        <p:style>
+          <a:lnRef idx="2">
+            <a:schemeClr val="accent1">
+              <a:shade val="50000"/>
+            </a:schemeClr>
+          </a:lnRef>
+          <a:fillRef idx="1">
+            <a:schemeClr val="accent1"/>
+          </a:fillRef>
+          <a:effectRef idx="0">
+            <a:schemeClr val="accent1"/>
+          </a:effectRef>
+          <a:fontRef idx="minor">
+            <a:schemeClr val="lt1"/>
+          </a:fontRef>
+        </p:style>
+        <p:txBody>
+          <a:bodyPr rtlCol="0" anchor="ctr"/>
+          <a:lstStyle/>
+          <a:p>
+            <a:pPr algn="ctr"/>
+            <a:endParaRPr lang="ko-KR" altLang="en-US"/>
+          </a:p>
+        </p:txBody>
+      </p:sp>
+    </p:spTree>
+    <p:extLst>
+      <p:ext uri="{BB962C8B-B14F-4D97-AF65-F5344CB8AC3E}">
+        <p14:creationId xmlns:p14="http://schemas.microsoft.com/office/powerpoint/2010/main" val="2292431375"/>
+      </p:ext>
+    </p:extLst>
+  </p:cSld>
+  <p:clrMapOvr>
+    <a:masterClrMapping/>
+  </p:clrMapOvr>
+</p:sld>
+</file>
+
+<file path=ppt/slides/slide11.xml><?xml version="1.0" encoding="utf-8"?>
+<p:sld xmlns:a="http://schemas.openxmlformats.org/drawingml/2006/main" xmlns:r="http://schemas.openxmlformats.org/officeDocument/2006/relationships" xmlns:p="http://schemas.openxmlformats.org/presentationml/2006/main">
+  <p:cSld>
+    <p:spTree>
+      <p:nvGrpSpPr>
+        <p:cNvPr id="1" name=""/>
+        <p:cNvGrpSpPr/>
+        <p:nvPr/>
+      </p:nvGrpSpPr>
+      <p:grpSpPr>
+        <a:xfrm>
+          <a:off x="0" y="0"/>
+          <a:ext cx="0" cy="0"/>
+          <a:chOff x="0" y="0"/>
+          <a:chExt cx="0" cy="0"/>
+        </a:xfrm>
+      </p:grpSpPr>
+      <p:sp>
+        <p:nvSpPr>
+          <p:cNvPr id="2" name="내용 개체 틀 2">
+            <a:extLst>
+              <a:ext uri="{FF2B5EF4-FFF2-40B4-BE49-F238E27FC236}">
+                <a16:creationId xmlns:a16="http://schemas.microsoft.com/office/drawing/2014/main" id="{E1253404-CA53-48A4-AE75-30AC63236431}"/>
+              </a:ext>
+            </a:extLst>
+          </p:cNvPr>
+          <p:cNvSpPr txBox="1">
+            <a:spLocks/>
+          </p:cNvSpPr>
+          <p:nvPr/>
+        </p:nvSpPr>
+        <p:spPr>
+          <a:xfrm>
+            <a:off x="791133" y="2737309"/>
+            <a:ext cx="10609729" cy="1383382"/>
+          </a:xfrm>
+          <a:prstGeom prst="rect">
+            <a:avLst/>
+          </a:prstGeom>
+        </p:spPr>
+        <p:txBody>
+          <a:bodyPr>
+            <a:noAutofit/>
+          </a:bodyPr>
+          <a:lstStyle>
+            <a:lvl1pPr marL="228600" indent="-228600" algn="l" defTabSz="914400" rtl="0" eaLnBrk="1" latinLnBrk="1" hangingPunct="1">
+              <a:lnSpc>
+                <a:spcPct val="90000"/>
+              </a:lnSpc>
+              <a:spcBef>
+                <a:spcPts val="1000"/>
+              </a:spcBef>
+              <a:buFont typeface="Arial" panose="020B0604020202020204" pitchFamily="34" charset="0"/>
+              <a:buChar char="•"/>
+              <a:defRPr sz="2800" kern="1200">
+                <a:solidFill>
+                  <a:schemeClr val="tx1"/>
+                </a:solidFill>
+                <a:latin typeface="+mn-lt"/>
+                <a:ea typeface="+mn-ea"/>
+                <a:cs typeface="+mn-cs"/>
+              </a:defRPr>
+            </a:lvl1pPr>
+            <a:lvl2pPr marL="685800" indent="-228600" algn="l" defTabSz="914400" rtl="0" eaLnBrk="1" latinLnBrk="1" hangingPunct="1">
+              <a:lnSpc>
+                <a:spcPct val="90000"/>
+              </a:lnSpc>
+              <a:spcBef>
+                <a:spcPts val="500"/>
+              </a:spcBef>
+              <a:buFont typeface="Arial" panose="020B0604020202020204" pitchFamily="34" charset="0"/>
+              <a:buChar char="•"/>
+              <a:defRPr sz="2400" kern="1200">
+                <a:solidFill>
+                  <a:schemeClr val="tx1"/>
+                </a:solidFill>
+                <a:latin typeface="+mn-lt"/>
+                <a:ea typeface="+mn-ea"/>
+                <a:cs typeface="+mn-cs"/>
+              </a:defRPr>
+            </a:lvl2pPr>
+            <a:lvl3pPr marL="1143000" indent="-228600" algn="l" defTabSz="914400" rtl="0" eaLnBrk="1" latinLnBrk="1" hangingPunct="1">
+              <a:lnSpc>
+                <a:spcPct val="90000"/>
+              </a:lnSpc>
+              <a:spcBef>
+                <a:spcPts val="500"/>
+              </a:spcBef>
+              <a:buFont typeface="Arial" panose="020B0604020202020204" pitchFamily="34" charset="0"/>
+              <a:buChar char="•"/>
+              <a:defRPr sz="2000" kern="1200">
+                <a:solidFill>
+                  <a:schemeClr val="tx1"/>
+                </a:solidFill>
+                <a:latin typeface="+mn-lt"/>
+                <a:ea typeface="+mn-ea"/>
+                <a:cs typeface="+mn-cs"/>
+              </a:defRPr>
+            </a:lvl3pPr>
+            <a:lvl4pPr marL="1600200" indent="-228600" algn="l" defTabSz="914400" rtl="0" eaLnBrk="1" latinLnBrk="1" hangingPunct="1">
+              <a:lnSpc>
+                <a:spcPct val="90000"/>
+              </a:lnSpc>
+              <a:spcBef>
+                <a:spcPts val="500"/>
+              </a:spcBef>
+              <a:buFont typeface="Arial" panose="020B0604020202020204" pitchFamily="34" charset="0"/>
+              <a:buChar char="•"/>
+              <a:defRPr sz="1800" kern="1200">
+                <a:solidFill>
+                  <a:schemeClr val="tx1"/>
+                </a:solidFill>
+                <a:latin typeface="+mn-lt"/>
+                <a:ea typeface="+mn-ea"/>
+                <a:cs typeface="+mn-cs"/>
+              </a:defRPr>
+            </a:lvl4pPr>
+            <a:lvl5pPr marL="2057400" indent="-228600" algn="l" defTabSz="914400" rtl="0" eaLnBrk="1" latinLnBrk="1" hangingPunct="1">
+              <a:lnSpc>
+                <a:spcPct val="90000"/>
+              </a:lnSpc>
+              <a:spcBef>
+                <a:spcPts val="500"/>
+              </a:spcBef>
+              <a:buFont typeface="Arial" panose="020B0604020202020204" pitchFamily="34" charset="0"/>
+              <a:buChar char="•"/>
+              <a:defRPr sz="1800" kern="1200">
+                <a:solidFill>
+                  <a:schemeClr val="tx1"/>
+                </a:solidFill>
+                <a:latin typeface="+mn-lt"/>
+                <a:ea typeface="+mn-ea"/>
+                <a:cs typeface="+mn-cs"/>
+              </a:defRPr>
+            </a:lvl5pPr>
+            <a:lvl6pPr marL="2514600" indent="-228600" algn="l" defTabSz="914400" rtl="0" eaLnBrk="1" latinLnBrk="1" hangingPunct="1">
+              <a:lnSpc>
+                <a:spcPct val="90000"/>
+              </a:lnSpc>
+              <a:spcBef>
+                <a:spcPts val="500"/>
+              </a:spcBef>
+              <a:buFont typeface="Arial" panose="020B0604020202020204" pitchFamily="34" charset="0"/>
+              <a:buChar char="•"/>
+              <a:defRPr sz="1800" kern="1200">
+                <a:solidFill>
+                  <a:schemeClr val="tx1"/>
+                </a:solidFill>
+                <a:latin typeface="+mn-lt"/>
+                <a:ea typeface="+mn-ea"/>
+                <a:cs typeface="+mn-cs"/>
+              </a:defRPr>
+            </a:lvl6pPr>
+            <a:lvl7pPr marL="2971800" indent="-228600" algn="l" defTabSz="914400" rtl="0" eaLnBrk="1" latinLnBrk="1" hangingPunct="1">
+              <a:lnSpc>
+                <a:spcPct val="90000"/>
+              </a:lnSpc>
+              <a:spcBef>
+                <a:spcPts val="500"/>
+              </a:spcBef>
+              <a:buFont typeface="Arial" panose="020B0604020202020204" pitchFamily="34" charset="0"/>
+              <a:buChar char="•"/>
+              <a:defRPr sz="1800" kern="1200">
+                <a:solidFill>
+                  <a:schemeClr val="tx1"/>
+                </a:solidFill>
+                <a:latin typeface="+mn-lt"/>
+                <a:ea typeface="+mn-ea"/>
+                <a:cs typeface="+mn-cs"/>
+              </a:defRPr>
+            </a:lvl7pPr>
+            <a:lvl8pPr marL="3429000" indent="-228600" algn="l" defTabSz="914400" rtl="0" eaLnBrk="1" latinLnBrk="1" hangingPunct="1">
+              <a:lnSpc>
+                <a:spcPct val="90000"/>
+              </a:lnSpc>
+              <a:spcBef>
+                <a:spcPts val="500"/>
+              </a:spcBef>
+              <a:buFont typeface="Arial" panose="020B0604020202020204" pitchFamily="34" charset="0"/>
+              <a:buChar char="•"/>
+              <a:defRPr sz="1800" kern="1200">
+                <a:solidFill>
+                  <a:schemeClr val="tx1"/>
+                </a:solidFill>
+                <a:latin typeface="+mn-lt"/>
+                <a:ea typeface="+mn-ea"/>
+                <a:cs typeface="+mn-cs"/>
+              </a:defRPr>
+            </a:lvl8pPr>
+            <a:lvl9pPr marL="3886200" indent="-228600" algn="l" defTabSz="914400" rtl="0" eaLnBrk="1" latinLnBrk="1" hangingPunct="1">
+              <a:lnSpc>
+                <a:spcPct val="90000"/>
+              </a:lnSpc>
+              <a:spcBef>
+                <a:spcPts val="500"/>
+              </a:spcBef>
+              <a:buFont typeface="Arial" panose="020B0604020202020204" pitchFamily="34" charset="0"/>
+              <a:buChar char="•"/>
+              <a:defRPr sz="1800" kern="1200">
+                <a:solidFill>
+                  <a:schemeClr val="tx1"/>
+                </a:solidFill>
+                <a:latin typeface="+mn-lt"/>
+                <a:ea typeface="+mn-ea"/>
+                <a:cs typeface="+mn-cs"/>
+              </a:defRPr>
+            </a:lvl9pPr>
+          </a:lstStyle>
+          <a:p>
+            <a:pPr marL="0" indent="0" algn="ctr">
+              <a:buFont typeface="Arial" panose="020B0604020202020204" pitchFamily="34" charset="0"/>
+              <a:buNone/>
+            </a:pPr>
+            <a:r>
+              <a:rPr lang="ko-KR" altLang="en-US" sz="9600" b="1" dirty="0"/>
+              <a:t>감사합니다</a:t>
+            </a:r>
+            <a:r>
+              <a:rPr lang="en-US" altLang="ko-KR" sz="9600" b="1" dirty="0"/>
+              <a:t>.</a:t>
+            </a:r>
+          </a:p>
+        </p:txBody>
+      </p:sp>
+    </p:spTree>
+    <p:extLst>
+      <p:ext uri="{BB962C8B-B14F-4D97-AF65-F5344CB8AC3E}">
+        <p14:creationId xmlns:p14="http://schemas.microsoft.com/office/powerpoint/2010/main" val="2761895429"/>
+      </p:ext>
+    </p:extLst>
+  </p:cSld>
+  <p:clrMapOvr>
+    <a:masterClrMapping/>
+  </p:clrMapOvr>
+</p:sld>
+</file>
+
 <file path=ppt/slides/slide2.xml><?xml version="1.0" encoding="utf-8"?>
 <p:sld xmlns:a="http://schemas.openxmlformats.org/drawingml/2006/main" xmlns:r="http://schemas.openxmlformats.org/officeDocument/2006/relationships" xmlns:p="http://schemas.openxmlformats.org/presentationml/2006/main">
   <p:cSld>
@@ -4144,7 +5241,7 @@
             </a:pPr>
             <a:r>
               <a:rPr lang="ko-KR" altLang="en-US" sz="4400" dirty="0"/>
-              <a:t>설치 방법</a:t>
+              <a:t> 설치 방법 </a:t>
             </a:r>
             <a:endParaRPr lang="en-US" altLang="ko-KR" sz="4400" dirty="0"/>
           </a:p>
@@ -4157,7 +5254,7 @@
             </a:pPr>
             <a:r>
               <a:rPr lang="ko-KR" altLang="en-US" sz="4400" dirty="0"/>
-              <a:t>메뉴 및 주요 기능 안내</a:t>
+              <a:t> 기능 요약</a:t>
             </a:r>
             <a:endParaRPr lang="en-US" altLang="ko-KR" sz="4400" dirty="0"/>
           </a:p>
@@ -4170,20 +5267,7 @@
             </a:pPr>
             <a:r>
               <a:rPr lang="ko-KR" altLang="en-US" sz="4400" dirty="0"/>
-              <a:t>실행 및 메인 소개</a:t>
-            </a:r>
-            <a:endParaRPr lang="en-US" altLang="ko-KR" sz="4400" dirty="0"/>
-          </a:p>
-          <a:p>
-            <a:pPr marL="514350" indent="-514350">
-              <a:spcBef>
-                <a:spcPts val="1200"/>
-              </a:spcBef>
-              <a:buAutoNum type="arabicPeriod"/>
-            </a:pPr>
-            <a:r>
-              <a:rPr lang="ko-KR" altLang="en-US" sz="4400" dirty="0"/>
-              <a:t>부가 기능 소개</a:t>
+              <a:t> 실행 및 사용 방법</a:t>
             </a:r>
             <a:endParaRPr lang="en-US" altLang="ko-KR" sz="4400" dirty="0"/>
           </a:p>
@@ -4196,21 +5280,12 @@
             </a:pPr>
             <a:endParaRPr lang="en-US" altLang="ko-KR" sz="4400" dirty="0"/>
           </a:p>
-          <a:p>
-            <a:pPr marL="514350" indent="-514350">
-              <a:spcBef>
-                <a:spcPts val="1200"/>
-              </a:spcBef>
-              <a:buAutoNum type="arabicPeriod"/>
-            </a:pPr>
-            <a:endParaRPr lang="en-US" altLang="ko-KR" sz="4400" dirty="0"/>
-          </a:p>
         </p:txBody>
       </p:sp>
     </p:spTree>
     <p:extLst>
       <p:ext uri="{BB962C8B-B14F-4D97-AF65-F5344CB8AC3E}">
-        <p14:creationId xmlns:p14="http://schemas.microsoft.com/office/powerpoint/2010/main" val="3167765343"/>
+        <p14:creationId xmlns:p14="http://schemas.microsoft.com/office/powerpoint/2010/main" val="3643114365"/>
       </p:ext>
     </p:extLst>
   </p:cSld>
@@ -4260,17 +5335,23 @@
           <a:p>
             <a:r>
               <a:rPr lang="ko-KR" altLang="en-US" dirty="0"/>
-              <a:t>프로그래밍하면서 변경된 해결 전략</a:t>
+              <a:t>실행 프로그램 및 </a:t>
+            </a:r>
+            <a:r>
+              <a:rPr lang="en-US" altLang="ko-KR" dirty="0"/>
+              <a:t>opencv_world412.dll </a:t>
+            </a:r>
+            <a:r>
+              <a:rPr lang="ko-KR" altLang="en-US" dirty="0"/>
+              <a:t>다운로드</a:t>
             </a:r>
             <a:endParaRPr lang="en-US" altLang="ko-KR" dirty="0"/>
           </a:p>
           <a:p>
-            <a:pPr marL="971550" lvl="1" indent="-514350">
-              <a:buAutoNum type="arabicPeriod"/>
-            </a:pPr>
+            <a:pPr lvl="1"/>
             <a:r>
               <a:rPr lang="ko-KR" altLang="en-US" dirty="0"/>
-              <a:t>입력 받은 배열의 정보를 회전시킨다</a:t>
+              <a:t>사용자에게는 아래의 두 개 파일이 제공되어진다</a:t>
             </a:r>
             <a:r>
               <a:rPr lang="en-US" altLang="ko-KR" dirty="0"/>
@@ -4278,37 +5359,18 @@
             </a:r>
           </a:p>
           <a:p>
-            <a:pPr lvl="2">
-              <a:buFont typeface="Arial" panose="020B0604020202020204" pitchFamily="34" charset="0"/>
-              <a:buChar char="•"/>
-            </a:pPr>
+            <a:pPr lvl="1"/>
             <a:r>
               <a:rPr lang="ko-KR" altLang="en-US" dirty="0"/>
-              <a:t>초기 배열은 </a:t>
+              <a:t>해당 파일들을 다운로드 받아 동일 </a:t>
             </a:r>
             <a:r>
               <a:rPr lang="en-US" altLang="ko-KR" dirty="0"/>
-              <a:t>‘0‘</a:t>
+              <a:t>Directory</a:t>
             </a:r>
             <a:r>
               <a:rPr lang="ko-KR" altLang="en-US" dirty="0"/>
-              <a:t>으로 되어 있으며</a:t>
-            </a:r>
-            <a:r>
-              <a:rPr lang="en-US" altLang="ko-KR" dirty="0"/>
-              <a:t>, </a:t>
-            </a:r>
-            <a:r>
-              <a:rPr lang="ko-KR" altLang="en-US" dirty="0"/>
-              <a:t>블록의 높이만큼 </a:t>
-            </a:r>
-            <a:r>
-              <a:rPr lang="en-US" altLang="ko-KR" dirty="0"/>
-              <a:t>‘1’</a:t>
-            </a:r>
-            <a:r>
-              <a:rPr lang="ko-KR" altLang="en-US" dirty="0"/>
-              <a:t>으로 변경시킨다</a:t>
+              <a:t>에 놓는다</a:t>
             </a:r>
             <a:r>
               <a:rPr lang="en-US" altLang="ko-KR" dirty="0"/>
@@ -4316,46 +5378,8 @@
             </a:r>
           </a:p>
           <a:p>
-            <a:pPr marL="971550" lvl="1" indent="-514350">
-              <a:buAutoNum type="arabicPeriod"/>
-            </a:pPr>
-            <a:r>
-              <a:rPr lang="ko-KR" altLang="en-US" dirty="0"/>
-              <a:t>배열 내의 모든 </a:t>
-            </a:r>
-            <a:r>
-              <a:rPr lang="en-US" altLang="ko-KR" dirty="0"/>
-              <a:t>‘1’ </a:t>
-            </a:r>
-            <a:r>
-              <a:rPr lang="ko-KR" altLang="en-US" dirty="0"/>
-              <a:t>정보를 맨 아래로 내린다</a:t>
-            </a:r>
-            <a:r>
-              <a:rPr lang="en-US" altLang="ko-KR" dirty="0"/>
-              <a:t>.</a:t>
-            </a:r>
-          </a:p>
-          <a:p>
-            <a:pPr marL="971550" lvl="1" indent="-514350">
-              <a:buAutoNum type="arabicPeriod"/>
-            </a:pPr>
-            <a:r>
-              <a:rPr lang="ko-KR" altLang="en-US" dirty="0"/>
-              <a:t>내릴 때마다 내린 횟수를 저장할 </a:t>
-            </a:r>
-            <a:r>
-              <a:rPr lang="en-US" altLang="ko-KR" dirty="0"/>
-              <a:t>Count</a:t>
-            </a:r>
-            <a:r>
-              <a:rPr lang="ko-KR" altLang="en-US" dirty="0"/>
-              <a:t> 변수를 만들어 가장 큰 값을 계속해서 저장한다</a:t>
-            </a:r>
-            <a:r>
-              <a:rPr lang="en-US" altLang="ko-KR" dirty="0"/>
-              <a:t>.</a:t>
-            </a:r>
+            <a:pPr lvl="1"/>
+            <a:endParaRPr lang="en-US" altLang="ko-KR" dirty="0"/>
           </a:p>
         </p:txBody>
       </p:sp>
@@ -4391,6 +5415,64 @@
           </a:p>
         </p:txBody>
       </p:sp>
+      <p:pic>
+        <p:nvPicPr>
+          <p:cNvPr id="11" name="그림 10">
+            <a:extLst>
+              <a:ext uri="{FF2B5EF4-FFF2-40B4-BE49-F238E27FC236}">
+                <a16:creationId xmlns:a16="http://schemas.microsoft.com/office/drawing/2014/main" id="{8CFAE8F3-46DE-4F72-B455-CD33FF6E4427}"/>
+              </a:ext>
+            </a:extLst>
+          </p:cNvPr>
+          <p:cNvPicPr>
+            <a:picLocks noChangeAspect="1"/>
+          </p:cNvPicPr>
+          <p:nvPr/>
+        </p:nvPicPr>
+        <p:blipFill rotWithShape="1">
+          <a:blip r:embed="rId3"/>
+          <a:srcRect b="50826"/>
+          <a:stretch/>
+        </p:blipFill>
+        <p:spPr>
+          <a:xfrm>
+            <a:off x="1978614" y="3429000"/>
+            <a:ext cx="2295525" cy="2463709"/>
+          </a:xfrm>
+          <a:prstGeom prst="rect">
+            <a:avLst/>
+          </a:prstGeom>
+        </p:spPr>
+      </p:pic>
+      <p:pic>
+        <p:nvPicPr>
+          <p:cNvPr id="12" name="그림 11">
+            <a:extLst>
+              <a:ext uri="{FF2B5EF4-FFF2-40B4-BE49-F238E27FC236}">
+                <a16:creationId xmlns:a16="http://schemas.microsoft.com/office/drawing/2014/main" id="{18DE2B9B-AE00-4B2F-B0D9-8E49440F652E}"/>
+              </a:ext>
+            </a:extLst>
+          </p:cNvPr>
+          <p:cNvPicPr>
+            <a:picLocks noChangeAspect="1"/>
+          </p:cNvPicPr>
+          <p:nvPr/>
+        </p:nvPicPr>
+        <p:blipFill rotWithShape="1">
+          <a:blip r:embed="rId3"/>
+          <a:srcRect t="50826"/>
+          <a:stretch/>
+        </p:blipFill>
+        <p:spPr>
+          <a:xfrm>
+            <a:off x="7917861" y="3507065"/>
+            <a:ext cx="2295525" cy="2463709"/>
+          </a:xfrm>
+          <a:prstGeom prst="rect">
+            <a:avLst/>
+          </a:prstGeom>
+        </p:spPr>
+      </p:pic>
     </p:spTree>
     <p:extLst>
       <p:ext uri="{BB962C8B-B14F-4D97-AF65-F5344CB8AC3E}">
@@ -4421,21 +5503,355 @@
           <a:chExt cx="0" cy="0"/>
         </a:xfrm>
       </p:grpSpPr>
-      <p:sp>
-        <p:nvSpPr>
-          <p:cNvPr id="3" name="내용 개체 틀 2">
-            <a:extLst>
-              <a:ext uri="{FF2B5EF4-FFF2-40B4-BE49-F238E27FC236}">
-                <a16:creationId xmlns:a16="http://schemas.microsoft.com/office/drawing/2014/main" id="{CB91D253-CDB1-464C-8F8C-90DF69FCD1E1}"/>
-              </a:ext>
-            </a:extLst>
-          </p:cNvPr>
-          <p:cNvSpPr>
-            <a:spLocks noGrp="1"/>
-          </p:cNvSpPr>
+      <p:graphicFrame>
+        <p:nvGraphicFramePr>
+          <p:cNvPr id="2" name="표 4">
+            <a:extLst>
+              <a:ext uri="{FF2B5EF4-FFF2-40B4-BE49-F238E27FC236}">
+                <a16:creationId xmlns:a16="http://schemas.microsoft.com/office/drawing/2014/main" id="{A4B683B4-AB24-4E93-91C8-0B5D214639A4}"/>
+              </a:ext>
+            </a:extLst>
+          </p:cNvPr>
+          <p:cNvGraphicFramePr>
+            <a:graphicFrameLocks noGrp="1"/>
+          </p:cNvGraphicFramePr>
           <p:nvPr>
             <p:ph idx="13"/>
           </p:nvPr>
+        </p:nvGraphicFramePr>
+        <p:xfrm>
+          <a:off x="791369" y="1523454"/>
+          <a:ext cx="10609262" cy="4880702"/>
+        </p:xfrm>
+        <a:graphic>
+          <a:graphicData uri="http://schemas.openxmlformats.org/drawingml/2006/table">
+            <a:tbl>
+              <a:tblPr firstRow="1" bandRow="1">
+                <a:tableStyleId>{073A0DAA-6AF3-43AB-8588-CEC1D06C72B9}</a:tableStyleId>
+              </a:tblPr>
+              <a:tblGrid>
+                <a:gridCol w="1565366">
+                  <a:extLst>
+                    <a:ext uri="{9D8B030D-6E8A-4147-A177-3AD203B41FA5}">
+                      <a16:colId xmlns:a16="http://schemas.microsoft.com/office/drawing/2014/main" val="4087481874"/>
+                    </a:ext>
+                  </a:extLst>
+                </a:gridCol>
+                <a:gridCol w="9043896">
+                  <a:extLst>
+                    <a:ext uri="{9D8B030D-6E8A-4147-A177-3AD203B41FA5}">
+                      <a16:colId xmlns:a16="http://schemas.microsoft.com/office/drawing/2014/main" val="1664097698"/>
+                    </a:ext>
+                  </a:extLst>
+                </a:gridCol>
+              </a:tblGrid>
+              <a:tr h="549186">
+                <a:tc>
+                  <a:txBody>
+                    <a:bodyPr/>
+                    <a:lstStyle/>
+                    <a:p>
+                      <a:pPr algn="ctr" latinLnBrk="1"/>
+                      <a:r>
+                        <a:rPr lang="ko-KR" altLang="en-US" dirty="0"/>
+                        <a:t>기능</a:t>
+                      </a:r>
+                    </a:p>
+                  </a:txBody>
+                  <a:tcPr anchor="ctr"/>
+                </a:tc>
+                <a:tc>
+                  <a:txBody>
+                    <a:bodyPr/>
+                    <a:lstStyle/>
+                    <a:p>
+                      <a:pPr algn="ctr" latinLnBrk="1"/>
+                      <a:r>
+                        <a:rPr lang="ko-KR" altLang="en-US" dirty="0"/>
+                        <a:t>설명</a:t>
+                      </a:r>
+                    </a:p>
+                  </a:txBody>
+                  <a:tcPr anchor="ctr"/>
+                </a:tc>
+                <a:extLst>
+                  <a:ext uri="{0D108BD9-81ED-4DB2-BD59-A6C34878D82A}">
+                    <a16:rowId xmlns:a16="http://schemas.microsoft.com/office/drawing/2014/main" val="4037644931"/>
+                  </a:ext>
+                </a:extLst>
+              </a:tr>
+              <a:tr h="854279">
+                <a:tc>
+                  <a:txBody>
+                    <a:bodyPr/>
+                    <a:lstStyle/>
+                    <a:p>
+                      <a:pPr algn="ctr" latinLnBrk="1"/>
+                      <a:r>
+                        <a:rPr lang="ko-KR" altLang="en-US" dirty="0"/>
+                        <a:t>메인</a:t>
+                      </a:r>
+                    </a:p>
+                  </a:txBody>
+                  <a:tcPr anchor="ctr"/>
+                </a:tc>
+                <a:tc>
+                  <a:txBody>
+                    <a:bodyPr/>
+                    <a:lstStyle/>
+                    <a:p>
+                      <a:pPr marL="285750" indent="-285750" latinLnBrk="1">
+                        <a:buFont typeface="Arial" panose="020B0604020202020204" pitchFamily="34" charset="0"/>
+                        <a:buChar char="•"/>
+                      </a:pPr>
+                      <a:r>
+                        <a:rPr lang="ko-KR" altLang="en-US" dirty="0" err="1"/>
+                        <a:t>웹캠으로부터</a:t>
+                      </a:r>
+                      <a:r>
+                        <a:rPr lang="ko-KR" altLang="en-US" dirty="0"/>
+                        <a:t> 촬영한 이미지 출력</a:t>
+                      </a:r>
+                      <a:endParaRPr lang="en-US" altLang="ko-KR" dirty="0"/>
+                    </a:p>
+                    <a:p>
+                      <a:pPr marL="285750" indent="-285750" latinLnBrk="1">
+                        <a:buFont typeface="Arial" panose="020B0604020202020204" pitchFamily="34" charset="0"/>
+                        <a:buChar char="•"/>
+                      </a:pPr>
+                      <a:r>
+                        <a:rPr lang="ko-KR" altLang="en-US" dirty="0"/>
+                        <a:t>최근 감지된 이미지 </a:t>
+                      </a:r>
+                      <a:r>
+                        <a:rPr lang="en-US" altLang="ko-KR" dirty="0"/>
+                        <a:t>10</a:t>
+                      </a:r>
+                      <a:r>
+                        <a:rPr lang="ko-KR" altLang="en-US" dirty="0"/>
+                        <a:t>개 출력</a:t>
+                      </a:r>
+                      <a:endParaRPr lang="en-US" altLang="ko-KR" dirty="0"/>
+                    </a:p>
+                    <a:p>
+                      <a:pPr marL="285750" indent="-285750" latinLnBrk="1">
+                        <a:buFont typeface="Arial" panose="020B0604020202020204" pitchFamily="34" charset="0"/>
+                        <a:buChar char="•"/>
+                      </a:pPr>
+                      <a:r>
+                        <a:rPr lang="ko-KR" altLang="en-US" dirty="0"/>
+                        <a:t>부가 기능 사용을 위한 버튼 존재</a:t>
+                      </a:r>
+                      <a:endParaRPr lang="en-US" altLang="ko-KR" dirty="0"/>
+                    </a:p>
+                  </a:txBody>
+                  <a:tcPr anchor="ctr"/>
+                </a:tc>
+                <a:extLst>
+                  <a:ext uri="{0D108BD9-81ED-4DB2-BD59-A6C34878D82A}">
+                    <a16:rowId xmlns:a16="http://schemas.microsoft.com/office/drawing/2014/main" val="672975186"/>
+                  </a:ext>
+                </a:extLst>
+              </a:tr>
+              <a:tr h="854279">
+                <a:tc>
+                  <a:txBody>
+                    <a:bodyPr/>
+                    <a:lstStyle/>
+                    <a:p>
+                      <a:pPr algn="ctr" latinLnBrk="1"/>
+                      <a:r>
+                        <a:rPr lang="ko-KR" altLang="en-US" dirty="0"/>
+                        <a:t>고급 설정</a:t>
+                      </a:r>
+                    </a:p>
+                  </a:txBody>
+                  <a:tcPr anchor="ctr"/>
+                </a:tc>
+                <a:tc>
+                  <a:txBody>
+                    <a:bodyPr/>
+                    <a:lstStyle/>
+                    <a:p>
+                      <a:pPr marL="285750" indent="-285750" latinLnBrk="1">
+                        <a:buFont typeface="Arial" panose="020B0604020202020204" pitchFamily="34" charset="0"/>
+                        <a:buChar char="•"/>
+                      </a:pPr>
+                      <a:r>
+                        <a:rPr lang="ko-KR" altLang="en-US" dirty="0"/>
+                        <a:t>감지된 이미지를 저장할 폴더 지정</a:t>
+                      </a:r>
+                      <a:endParaRPr lang="en-US" altLang="ko-KR" dirty="0"/>
+                    </a:p>
+                    <a:p>
+                      <a:pPr marL="285750" indent="-285750" latinLnBrk="1">
+                        <a:buFont typeface="Arial" panose="020B0604020202020204" pitchFamily="34" charset="0"/>
+                        <a:buChar char="•"/>
+                      </a:pPr>
+                      <a:r>
+                        <a:rPr lang="ko-KR" altLang="en-US" dirty="0"/>
+                        <a:t>포트 번호 지정</a:t>
+                      </a:r>
+                    </a:p>
+                  </a:txBody>
+                  <a:tcPr anchor="ctr"/>
+                </a:tc>
+                <a:extLst>
+                  <a:ext uri="{0D108BD9-81ED-4DB2-BD59-A6C34878D82A}">
+                    <a16:rowId xmlns:a16="http://schemas.microsoft.com/office/drawing/2014/main" val="4189137129"/>
+                  </a:ext>
+                </a:extLst>
+              </a:tr>
+              <a:tr h="854279">
+                <a:tc>
+                  <a:txBody>
+                    <a:bodyPr/>
+                    <a:lstStyle/>
+                    <a:p>
+                      <a:pPr algn="ctr" latinLnBrk="1"/>
+                      <a:r>
+                        <a:rPr lang="ko-KR" altLang="en-US" dirty="0"/>
+                        <a:t>폴더 열기</a:t>
+                      </a:r>
+                    </a:p>
+                  </a:txBody>
+                  <a:tcPr anchor="ctr"/>
+                </a:tc>
+                <a:tc>
+                  <a:txBody>
+                    <a:bodyPr/>
+                    <a:lstStyle/>
+                    <a:p>
+                      <a:pPr marL="285750" indent="-285750" latinLnBrk="1">
+                        <a:buFont typeface="Arial" panose="020B0604020202020204" pitchFamily="34" charset="0"/>
+                        <a:buChar char="•"/>
+                      </a:pPr>
+                      <a:r>
+                        <a:rPr lang="ko-KR" altLang="en-US" dirty="0"/>
+                        <a:t>감지된 이미지가 저장되어 있는 폴더 열기</a:t>
+                      </a:r>
+                    </a:p>
+                  </a:txBody>
+                  <a:tcPr anchor="ctr"/>
+                </a:tc>
+                <a:extLst>
+                  <a:ext uri="{0D108BD9-81ED-4DB2-BD59-A6C34878D82A}">
+                    <a16:rowId xmlns:a16="http://schemas.microsoft.com/office/drawing/2014/main" val="2236434411"/>
+                  </a:ext>
+                </a:extLst>
+              </a:tr>
+              <a:tr h="854279">
+                <a:tc>
+                  <a:txBody>
+                    <a:bodyPr/>
+                    <a:lstStyle/>
+                    <a:p>
+                      <a:pPr marL="0" marR="0" lvl="0" indent="0" algn="ctr" defTabSz="914400" rtl="0" eaLnBrk="1" fontAlgn="auto" latinLnBrk="1" hangingPunct="1">
+                        <a:lnSpc>
+                          <a:spcPct val="100000"/>
+                        </a:lnSpc>
+                        <a:spcBef>
+                          <a:spcPts val="0"/>
+                        </a:spcBef>
+                        <a:spcAft>
+                          <a:spcPts val="0"/>
+                        </a:spcAft>
+                        <a:buClrTx/>
+                        <a:buSzTx/>
+                        <a:buFontTx/>
+                        <a:buNone/>
+                        <a:tabLst/>
+                        <a:defRPr/>
+                      </a:pPr>
+                      <a:r>
+                        <a:rPr lang="ko-KR" altLang="en-US" dirty="0"/>
+                        <a:t>날짜 선택</a:t>
+                      </a:r>
+                    </a:p>
+                  </a:txBody>
+                  <a:tcPr anchor="ctr"/>
+                </a:tc>
+                <a:tc>
+                  <a:txBody>
+                    <a:bodyPr/>
+                    <a:lstStyle/>
+                    <a:p>
+                      <a:pPr marL="285750" indent="-285750" latinLnBrk="1">
+                        <a:buFont typeface="Arial" panose="020B0604020202020204" pitchFamily="34" charset="0"/>
+                        <a:buChar char="•"/>
+                      </a:pPr>
+                      <a:r>
+                        <a:rPr lang="ko-KR" altLang="en-US" dirty="0"/>
+                        <a:t>특정 날짜에 감지된 이미지가 저장되어 있는 폴더를 열 수 있도록 설정</a:t>
+                      </a:r>
+                    </a:p>
+                  </a:txBody>
+                  <a:tcPr anchor="ctr"/>
+                </a:tc>
+                <a:extLst>
+                  <a:ext uri="{0D108BD9-81ED-4DB2-BD59-A6C34878D82A}">
+                    <a16:rowId xmlns:a16="http://schemas.microsoft.com/office/drawing/2014/main" val="2447718419"/>
+                  </a:ext>
+                </a:extLst>
+              </a:tr>
+              <a:tr h="854279">
+                <a:tc>
+                  <a:txBody>
+                    <a:bodyPr/>
+                    <a:lstStyle/>
+                    <a:p>
+                      <a:pPr algn="ctr" latinLnBrk="1"/>
+                      <a:r>
+                        <a:rPr lang="ko-KR" altLang="en-US" dirty="0"/>
+                        <a:t>감지 감도</a:t>
+                      </a:r>
+                    </a:p>
+                  </a:txBody>
+                  <a:tcPr anchor="ctr"/>
+                </a:tc>
+                <a:tc>
+                  <a:txBody>
+                    <a:bodyPr/>
+                    <a:lstStyle/>
+                    <a:p>
+                      <a:pPr marL="285750" indent="-285750" latinLnBrk="1">
+                        <a:buFont typeface="Arial" panose="020B0604020202020204" pitchFamily="34" charset="0"/>
+                        <a:buChar char="•"/>
+                      </a:pPr>
+                      <a:r>
+                        <a:rPr lang="ko-KR" altLang="en-US"/>
+                        <a:t>이미지 감지 정도를 사용자가 임의로 지정할 수 있도록 함</a:t>
+                      </a:r>
+                      <a:endParaRPr lang="ko-KR" altLang="en-US" dirty="0"/>
+                    </a:p>
+                  </a:txBody>
+                  <a:tcPr anchor="ctr"/>
+                </a:tc>
+                <a:extLst>
+                  <a:ext uri="{0D108BD9-81ED-4DB2-BD59-A6C34878D82A}">
+                    <a16:rowId xmlns:a16="http://schemas.microsoft.com/office/drawing/2014/main" val="3254323481"/>
+                  </a:ext>
+                </a:extLst>
+              </a:tr>
+            </a:tbl>
+          </a:graphicData>
+        </a:graphic>
+      </p:graphicFrame>
+      <p:sp>
+        <p:nvSpPr>
+          <p:cNvPr id="4" name="제목 3">
+            <a:extLst>
+              <a:ext uri="{FF2B5EF4-FFF2-40B4-BE49-F238E27FC236}">
+                <a16:creationId xmlns:a16="http://schemas.microsoft.com/office/drawing/2014/main" id="{4DE8B632-FE36-4D4B-A70D-A2F1381D4749}"/>
+              </a:ext>
+            </a:extLst>
+          </p:cNvPr>
+          <p:cNvSpPr>
+            <a:spLocks noGrp="1"/>
+          </p:cNvSpPr>
+          <p:nvPr>
+            <p:ph type="title"/>
+          </p:nvPr>
         </p:nvSpPr>
         <p:spPr/>
         <p:txBody>
@@ -4443,134 +5859,12 @@
           <a:lstStyle/>
           <a:p>
             <a:r>
+              <a:rPr lang="en-US" altLang="ko-KR" dirty="0"/>
+              <a:t>  </a:t>
+            </a:r>
+            <a:r>
               <a:rPr lang="ko-KR" altLang="en-US" dirty="0"/>
-              <a:t>프로그래밍하면서 변경된 해결 전략</a:t>
-            </a:r>
-            <a:endParaRPr lang="en-US" altLang="ko-KR" dirty="0"/>
-          </a:p>
-          <a:p>
-            <a:pPr marL="971550" lvl="1" indent="-514350">
-              <a:buAutoNum type="arabicPeriod"/>
-            </a:pPr>
-            <a:r>
-              <a:rPr lang="ko-KR" altLang="en-US" dirty="0"/>
-              <a:t>입력 받은 배열의 정보를 회전시킨다</a:t>
-            </a:r>
-            <a:r>
-              <a:rPr lang="en-US" altLang="ko-KR" dirty="0"/>
-              <a:t>.</a:t>
-            </a:r>
-          </a:p>
-          <a:p>
-            <a:pPr lvl="2">
-              <a:buFont typeface="Arial" panose="020B0604020202020204" pitchFamily="34" charset="0"/>
-              <a:buChar char="•"/>
-            </a:pPr>
-            <a:r>
-              <a:rPr lang="ko-KR" altLang="en-US" dirty="0"/>
-              <a:t>초기 배열은 </a:t>
-            </a:r>
-            <a:r>
-              <a:rPr lang="en-US" altLang="ko-KR" dirty="0"/>
-              <a:t>‘0‘</a:t>
-            </a:r>
-            <a:r>
-              <a:rPr lang="ko-KR" altLang="en-US" dirty="0"/>
-              <a:t>으로 되어 있으며</a:t>
-            </a:r>
-            <a:r>
-              <a:rPr lang="en-US" altLang="ko-KR" dirty="0"/>
-              <a:t>, </a:t>
-            </a:r>
-            <a:r>
-              <a:rPr lang="ko-KR" altLang="en-US" dirty="0"/>
-              <a:t>블록의 높이만큼 </a:t>
-            </a:r>
-            <a:r>
-              <a:rPr lang="en-US" altLang="ko-KR" dirty="0"/>
-              <a:t>‘1’</a:t>
-            </a:r>
-            <a:r>
-              <a:rPr lang="ko-KR" altLang="en-US" dirty="0"/>
-              <a:t>으로 변경시킨다</a:t>
-            </a:r>
-            <a:r>
-              <a:rPr lang="en-US" altLang="ko-KR" dirty="0"/>
-              <a:t>.</a:t>
-            </a:r>
-          </a:p>
-          <a:p>
-            <a:pPr marL="971550" lvl="1" indent="-514350">
-              <a:buAutoNum type="arabicPeriod"/>
-            </a:pPr>
-            <a:r>
-              <a:rPr lang="ko-KR" altLang="en-US" dirty="0"/>
-              <a:t>배열 내의 모든 </a:t>
-            </a:r>
-            <a:r>
-              <a:rPr lang="en-US" altLang="ko-KR" dirty="0"/>
-              <a:t>‘1’ </a:t>
-            </a:r>
-            <a:r>
-              <a:rPr lang="ko-KR" altLang="en-US" dirty="0"/>
-              <a:t>정보를 맨 아래로 내린다</a:t>
-            </a:r>
-            <a:r>
-              <a:rPr lang="en-US" altLang="ko-KR" dirty="0"/>
-              <a:t>.</a:t>
-            </a:r>
-          </a:p>
-          <a:p>
-            <a:pPr marL="971550" lvl="1" indent="-514350">
-              <a:buAutoNum type="arabicPeriod"/>
-            </a:pPr>
-            <a:r>
-              <a:rPr lang="ko-KR" altLang="en-US" dirty="0"/>
-              <a:t>내릴 때마다 내린 횟수를 저장할 </a:t>
-            </a:r>
-            <a:r>
-              <a:rPr lang="en-US" altLang="ko-KR" dirty="0"/>
-              <a:t>Count</a:t>
-            </a:r>
-            <a:r>
-              <a:rPr lang="ko-KR" altLang="en-US" dirty="0"/>
-              <a:t> 변수를 만들어 가장 큰 값을 계속해서 저장한다</a:t>
-            </a:r>
-            <a:r>
-              <a:rPr lang="en-US" altLang="ko-KR" dirty="0"/>
-              <a:t>.</a:t>
-            </a:r>
-          </a:p>
-        </p:txBody>
-      </p:sp>
-      <p:sp>
-        <p:nvSpPr>
-          <p:cNvPr id="4" name="제목 3">
-            <a:extLst>
-              <a:ext uri="{FF2B5EF4-FFF2-40B4-BE49-F238E27FC236}">
-                <a16:creationId xmlns:a16="http://schemas.microsoft.com/office/drawing/2014/main" id="{4DE8B632-FE36-4D4B-A70D-A2F1381D4749}"/>
-              </a:ext>
-            </a:extLst>
-          </p:cNvPr>
-          <p:cNvSpPr>
-            <a:spLocks noGrp="1"/>
-          </p:cNvSpPr>
-          <p:nvPr>
-            <p:ph type="title"/>
-          </p:nvPr>
-        </p:nvSpPr>
-        <p:spPr/>
-        <p:txBody>
-          <a:bodyPr/>
-          <a:lstStyle/>
-          <a:p>
-            <a:r>
-              <a:rPr lang="en-US" altLang="ko-KR" dirty="0"/>
-              <a:t> </a:t>
-            </a:r>
-            <a:r>
-              <a:rPr lang="ko-KR" altLang="en-US" dirty="0"/>
-              <a:t> 메뉴 및 주요 기능 안내</a:t>
+              <a:t>기능 요약</a:t>
             </a:r>
           </a:p>
         </p:txBody>
@@ -4627,18 +5921,36 @@
           <a:lstStyle/>
           <a:p>
             <a:r>
+              <a:rPr lang="ko-KR" altLang="en-US" dirty="0" err="1"/>
+              <a:t>웹캠</a:t>
+            </a:r>
+            <a:r>
               <a:rPr lang="ko-KR" altLang="en-US" dirty="0"/>
-              <a:t>프로그래밍하면서 변경된 해결 전략</a:t>
+              <a:t> 연결</a:t>
             </a:r>
             <a:endParaRPr lang="en-US" altLang="ko-KR" dirty="0"/>
           </a:p>
           <a:p>
-            <a:pPr marL="971550" lvl="1" indent="-514350">
-              <a:buAutoNum type="arabicPeriod"/>
-            </a:pPr>
+            <a:pPr lvl="1"/>
             <a:r>
               <a:rPr lang="ko-KR" altLang="en-US" dirty="0"/>
-              <a:t>입력 받은 배열의 정보를 회전시킨다</a:t>
+              <a:t>프로그램 실행하기 전</a:t>
+            </a:r>
+            <a:r>
+              <a:rPr lang="en-US" altLang="ko-KR" dirty="0"/>
+              <a:t>, USB Port</a:t>
+            </a:r>
+            <a:r>
+              <a:rPr lang="ko-KR" altLang="en-US" dirty="0"/>
+              <a:t>에 </a:t>
+            </a:r>
+            <a:r>
+              <a:rPr lang="ko-KR" altLang="en-US" dirty="0" err="1"/>
+              <a:t>웹캠을</a:t>
+            </a:r>
+            <a:r>
+              <a:rPr lang="ko-KR" altLang="en-US" dirty="0"/>
+              <a:t> 연결한다</a:t>
             </a:r>
             <a:r>
               <a:rPr lang="en-US" altLang="ko-KR" dirty="0"/>
@@ -4646,84 +5958,8 @@
             </a:r>
           </a:p>
           <a:p>
-            <a:pPr lvl="2">
-              <a:buFont typeface="Arial" panose="020B0604020202020204" pitchFamily="34" charset="0"/>
-              <a:buChar char="•"/>
-            </a:pPr>
-            <a:r>
-              <a:rPr lang="ko-KR" altLang="en-US" dirty="0"/>
-              <a:t>초기 배열은 </a:t>
-            </a:r>
-            <a:r>
-              <a:rPr lang="en-US" altLang="ko-KR" dirty="0"/>
-              <a:t>‘0‘</a:t>
-            </a:r>
-            <a:r>
-              <a:rPr lang="ko-KR" altLang="en-US" dirty="0"/>
-              <a:t>으로 되어 있으며</a:t>
-            </a:r>
-            <a:r>
-              <a:rPr lang="en-US" altLang="ko-KR" dirty="0"/>
-              <a:t>, </a:t>
-            </a:r>
-            <a:r>
-              <a:rPr lang="ko-KR" altLang="en-US" dirty="0"/>
-              <a:t>블록의 높이만큼 </a:t>
-            </a:r>
-            <a:r>
-              <a:rPr lang="en-US" altLang="ko-KR" dirty="0"/>
-              <a:t>‘1’</a:t>
-            </a:r>
-            <a:r>
-              <a:rPr lang="ko-KR" altLang="en-US" dirty="0"/>
-              <a:t>으로 변경시킨다</a:t>
-            </a:r>
-            <a:r>
-              <a:rPr lang="en-US" altLang="ko-KR" dirty="0"/>
-              <a:t>.</a:t>
-            </a:r>
-          </a:p>
-          <a:p>
-            <a:pPr marL="971550" lvl="1" indent="-514350">
-              <a:buAutoNum type="arabicPeriod"/>
-            </a:pPr>
-            <a:r>
-              <a:rPr lang="ko-KR" altLang="en-US" dirty="0"/>
-              <a:t>배열 내의 모든 </a:t>
-            </a:r>
-            <a:r>
-              <a:rPr lang="en-US" altLang="ko-KR" dirty="0"/>
-              <a:t>‘1’ </a:t>
-            </a:r>
-            <a:r>
-              <a:rPr lang="ko-KR" altLang="en-US" dirty="0"/>
-              <a:t>정보를 맨 아래로 내린다</a:t>
-            </a:r>
-            <a:r>
-              <a:rPr lang="en-US" altLang="ko-KR" dirty="0"/>
-              <a:t>.</a:t>
-            </a:r>
-          </a:p>
-          <a:p>
-            <a:pPr marL="971550" lvl="1" indent="-514350">
-              <a:buAutoNum type="arabicPeriod"/>
-            </a:pPr>
-            <a:r>
-              <a:rPr lang="ko-KR" altLang="en-US" dirty="0"/>
-              <a:t>내릴 때마다 내린 횟수를 저장할 </a:t>
-            </a:r>
-            <a:r>
-              <a:rPr lang="en-US" altLang="ko-KR" dirty="0"/>
-              <a:t>Count</a:t>
-            </a:r>
-            <a:r>
-              <a:rPr lang="ko-KR" altLang="en-US" dirty="0"/>
-              <a:t> 변수를 만들어 가장 큰 값을 계속해서 저장한다</a:t>
-            </a:r>
-            <a:r>
-              <a:rPr lang="en-US" altLang="ko-KR" dirty="0"/>
-              <a:t>.</a:t>
-            </a:r>
+            <a:pPr lvl="1"/>
+            <a:endParaRPr lang="en-US" altLang="ko-KR" dirty="0"/>
           </a:p>
         </p:txBody>
       </p:sp>
@@ -4754,15 +5990,132 @@
             </a:r>
             <a:r>
               <a:rPr lang="ko-KR" altLang="en-US" dirty="0"/>
-              <a:t> 실행 및 메인 소개</a:t>
-            </a:r>
-          </a:p>
-        </p:txBody>
-      </p:sp>
+              <a:t> 실행 및 사용 방법</a:t>
+            </a:r>
+          </a:p>
+        </p:txBody>
+      </p:sp>
+      <p:pic>
+        <p:nvPicPr>
+          <p:cNvPr id="6" name="그림 5">
+            <a:extLst>
+              <a:ext uri="{FF2B5EF4-FFF2-40B4-BE49-F238E27FC236}">
+                <a16:creationId xmlns:a16="http://schemas.microsoft.com/office/drawing/2014/main" id="{3FF0CEA0-931B-47F1-A04B-8F2795BCF434}"/>
+              </a:ext>
+            </a:extLst>
+          </p:cNvPr>
+          <p:cNvPicPr>
+            <a:picLocks noChangeAspect="1"/>
+          </p:cNvPicPr>
+          <p:nvPr/>
+        </p:nvPicPr>
+        <p:blipFill rotWithShape="1">
+          <a:blip r:embed="rId3">
+            <a:extLst>
+              <a:ext uri="{28A0092B-C50C-407E-A947-70E740481C1C}">
+                <a14:useLocalDpi xmlns:a14="http://schemas.microsoft.com/office/drawing/2010/main" val="0"/>
+              </a:ext>
+            </a:extLst>
+          </a:blip>
+          <a:srcRect b="26252"/>
+          <a:stretch/>
+        </p:blipFill>
+        <p:spPr>
+          <a:xfrm>
+            <a:off x="744072" y="2360023"/>
+            <a:ext cx="4262846" cy="3143794"/>
+          </a:xfrm>
+          <a:prstGeom prst="rect">
+            <a:avLst/>
+          </a:prstGeom>
+        </p:spPr>
+      </p:pic>
+      <p:pic>
+        <p:nvPicPr>
+          <p:cNvPr id="8" name="그림 7">
+            <a:extLst>
+              <a:ext uri="{FF2B5EF4-FFF2-40B4-BE49-F238E27FC236}">
+                <a16:creationId xmlns:a16="http://schemas.microsoft.com/office/drawing/2014/main" id="{B8039A63-146B-4758-A117-DB741F05D8D4}"/>
+              </a:ext>
+            </a:extLst>
+          </p:cNvPr>
+          <p:cNvPicPr>
+            <a:picLocks noChangeAspect="1"/>
+          </p:cNvPicPr>
+          <p:nvPr/>
+        </p:nvPicPr>
+        <p:blipFill rotWithShape="1">
+          <a:blip r:embed="rId4">
+            <a:extLst>
+              <a:ext uri="{28A0092B-C50C-407E-A947-70E740481C1C}">
+                <a14:useLocalDpi xmlns:a14="http://schemas.microsoft.com/office/drawing/2010/main" val="0"/>
+              </a:ext>
+            </a:extLst>
+          </a:blip>
+          <a:srcRect b="18707"/>
+          <a:stretch/>
+        </p:blipFill>
+        <p:spPr>
+          <a:xfrm>
+            <a:off x="7185084" y="2831334"/>
+            <a:ext cx="3287486" cy="2672483"/>
+          </a:xfrm>
+          <a:prstGeom prst="rect">
+            <a:avLst/>
+          </a:prstGeom>
+        </p:spPr>
+      </p:pic>
+      <p:cxnSp>
+        <p:nvCxnSpPr>
+          <p:cNvPr id="10" name="직선 연결선 9">
+            <a:extLst>
+              <a:ext uri="{FF2B5EF4-FFF2-40B4-BE49-F238E27FC236}">
+                <a16:creationId xmlns:a16="http://schemas.microsoft.com/office/drawing/2014/main" id="{75D75C94-F420-4EFD-AD85-1301033D2F79}"/>
+              </a:ext>
+            </a:extLst>
+          </p:cNvPr>
+          <p:cNvCxnSpPr>
+            <a:stCxn id="6" idx="3"/>
+          </p:cNvCxnSpPr>
+          <p:nvPr/>
+        </p:nvCxnSpPr>
+        <p:spPr>
+          <a:xfrm>
+            <a:off x="5006918" y="3931920"/>
+            <a:ext cx="2178166" cy="0"/>
+          </a:xfrm>
+          <a:prstGeom prst="line">
+            <a:avLst/>
+          </a:prstGeom>
+          <a:ln w="28575" cap="flat" cmpd="sng" algn="ctr">
+            <a:solidFill>
+              <a:schemeClr val="dk1"/>
+            </a:solidFill>
+            <a:prstDash val="solid"/>
+            <a:round/>
+            <a:headEnd type="arrow" w="med" len="med"/>
+            <a:tailEnd type="arrow" w="med" len="med"/>
+          </a:ln>
+        </p:spPr>
+        <p:style>
+          <a:lnRef idx="0">
+            <a:scrgbClr r="0" g="0" b="0"/>
+          </a:lnRef>
+          <a:fillRef idx="0">
+            <a:scrgbClr r="0" g="0" b="0"/>
+          </a:fillRef>
+          <a:effectRef idx="0">
+            <a:scrgbClr r="0" g="0" b="0"/>
+          </a:effectRef>
+          <a:fontRef idx="minor">
+            <a:schemeClr val="tx1"/>
+          </a:fontRef>
+        </p:style>
+      </p:cxnSp>
     </p:spTree>
     <p:extLst>
       <p:ext uri="{BB962C8B-B14F-4D97-AF65-F5344CB8AC3E}">
-        <p14:creationId xmlns:p14="http://schemas.microsoft.com/office/powerpoint/2010/main" val="1304243429"/>
+        <p14:creationId xmlns:p14="http://schemas.microsoft.com/office/powerpoint/2010/main" val="1956355982"/>
       </p:ext>
     </p:extLst>
   </p:cSld>
@@ -4811,142 +6164,755 @@
           <a:lstStyle/>
           <a:p>
             <a:r>
+              <a:rPr lang="en-US" altLang="ko-KR" dirty="0"/>
+              <a:t>Release Mode</a:t>
+            </a:r>
+          </a:p>
+          <a:p>
+            <a:pPr lvl="1"/>
+            <a:r>
+              <a:rPr lang="en-US" altLang="ko-KR" dirty="0"/>
+              <a:t>Release Mode</a:t>
+            </a:r>
+            <a:r>
               <a:rPr lang="ko-KR" altLang="en-US" dirty="0"/>
-              <a:t>프로그래밍하면서 변경된 해결 전략</a:t>
-            </a:r>
-            <a:endParaRPr lang="en-US" altLang="ko-KR" dirty="0"/>
-          </a:p>
-          <a:p>
-            <a:pPr marL="971550" lvl="1" indent="-514350">
-              <a:buAutoNum type="arabicPeriod"/>
-            </a:pPr>
+              <a:t>로 솔루션을 빌드하여 만들어낸 </a:t>
+            </a:r>
+            <a:r>
+              <a:rPr lang="en-US" altLang="ko-KR" dirty="0"/>
+              <a:t>MFC_webnautes.exe </a:t>
+            </a:r>
+            <a:br>
+              <a:rPr lang="en-US" altLang="ko-KR" dirty="0"/>
+            </a:br>
             <a:r>
               <a:rPr lang="ko-KR" altLang="en-US" dirty="0"/>
-              <a:t>입력 받은 배열의 정보를 회전시킨다</a:t>
+              <a:t>파일을 클릭하여 실행한다</a:t>
             </a:r>
             <a:r>
               <a:rPr lang="en-US" altLang="ko-KR" dirty="0"/>
               <a:t>.</a:t>
             </a:r>
-          </a:p>
-          <a:p>
-            <a:pPr lvl="2">
-              <a:buFont typeface="Arial" panose="020B0604020202020204" pitchFamily="34" charset="0"/>
-              <a:buChar char="•"/>
-            </a:pPr>
             <a:r>
               <a:rPr lang="ko-KR" altLang="en-US" dirty="0"/>
-              <a:t>초기 배열은 </a:t>
-            </a:r>
-            <a:r>
-              <a:rPr lang="en-US" altLang="ko-KR" dirty="0"/>
-              <a:t>‘0‘</a:t>
-            </a:r>
+              <a:t> </a:t>
+            </a:r>
+            <a:endParaRPr lang="en-US" altLang="ko-KR" dirty="0"/>
+          </a:p>
+        </p:txBody>
+      </p:sp>
+      <p:sp>
+        <p:nvSpPr>
+          <p:cNvPr id="4" name="제목 3">
+            <a:extLst>
+              <a:ext uri="{FF2B5EF4-FFF2-40B4-BE49-F238E27FC236}">
+                <a16:creationId xmlns:a16="http://schemas.microsoft.com/office/drawing/2014/main" id="{4DE8B632-FE36-4D4B-A70D-A2F1381D4749}"/>
+              </a:ext>
+            </a:extLst>
+          </p:cNvPr>
+          <p:cNvSpPr>
+            <a:spLocks noGrp="1"/>
+          </p:cNvSpPr>
+          <p:nvPr>
+            <p:ph type="title"/>
+          </p:nvPr>
+        </p:nvSpPr>
+        <p:spPr/>
+        <p:txBody>
+          <a:bodyPr/>
+          <a:lstStyle/>
+          <a:p>
             <a:r>
               <a:rPr lang="ko-KR" altLang="en-US" dirty="0"/>
-              <a:t>으로 되어 있으며</a:t>
-            </a:r>
-            <a:r>
-              <a:rPr lang="en-US" altLang="ko-KR" dirty="0"/>
-              <a:t>, </a:t>
-            </a:r>
-            <a:r>
-              <a:rPr lang="ko-KR" altLang="en-US" dirty="0"/>
-              <a:t>블록의 높이만큼 </a:t>
-            </a:r>
-            <a:r>
-              <a:rPr lang="en-US" altLang="ko-KR" dirty="0"/>
-              <a:t>‘1’</a:t>
-            </a:r>
-            <a:r>
-              <a:rPr lang="ko-KR" altLang="en-US" dirty="0"/>
-              <a:t>으로 변경시킨다</a:t>
-            </a:r>
-            <a:r>
-              <a:rPr lang="en-US" altLang="ko-KR" dirty="0"/>
-              <a:t>.</a:t>
-            </a:r>
-          </a:p>
-          <a:p>
-            <a:pPr marL="971550" lvl="1" indent="-514350">
-              <a:buAutoNum type="arabicPeriod"/>
-            </a:pPr>
-            <a:r>
-              <a:rPr lang="ko-KR" altLang="en-US" dirty="0"/>
-              <a:t>배열 내의 모든 </a:t>
-            </a:r>
-            <a:r>
-              <a:rPr lang="en-US" altLang="ko-KR" dirty="0"/>
-              <a:t>‘1’ </a:t>
-            </a:r>
-            <a:r>
-              <a:rPr lang="ko-KR" altLang="en-US" dirty="0"/>
-              <a:t>정보를 맨 아래로 내린다</a:t>
-            </a:r>
-            <a:r>
-              <a:rPr lang="en-US" altLang="ko-KR" dirty="0"/>
-              <a:t>.</a:t>
-            </a:r>
-          </a:p>
-          <a:p>
-            <a:pPr marL="971550" lvl="1" indent="-514350">
-              <a:buAutoNum type="arabicPeriod"/>
-            </a:pPr>
-            <a:r>
-              <a:rPr lang="ko-KR" altLang="en-US" dirty="0"/>
-              <a:t>내릴 때마다 내린 횟수를 저장할 </a:t>
-            </a:r>
-            <a:r>
-              <a:rPr lang="en-US" altLang="ko-KR" dirty="0"/>
-              <a:t>Count</a:t>
-            </a:r>
-            <a:r>
-              <a:rPr lang="ko-KR" altLang="en-US" dirty="0"/>
-              <a:t> 변수를 만들어 가장 큰 값을 계속해서 저장한다</a:t>
-            </a:r>
-            <a:r>
-              <a:rPr lang="en-US" altLang="ko-KR" dirty="0"/>
-              <a:t>.</a:t>
-            </a:r>
-          </a:p>
-        </p:txBody>
-      </p:sp>
-      <p:sp>
-        <p:nvSpPr>
-          <p:cNvPr id="4" name="제목 3">
-            <a:extLst>
-              <a:ext uri="{FF2B5EF4-FFF2-40B4-BE49-F238E27FC236}">
-                <a16:creationId xmlns:a16="http://schemas.microsoft.com/office/drawing/2014/main" id="{4DE8B632-FE36-4D4B-A70D-A2F1381D4749}"/>
-              </a:ext>
-            </a:extLst>
-          </p:cNvPr>
-          <p:cNvSpPr>
-            <a:spLocks noGrp="1"/>
-          </p:cNvSpPr>
-          <p:nvPr>
-            <p:ph type="title"/>
-          </p:nvPr>
-        </p:nvSpPr>
-        <p:spPr/>
-        <p:txBody>
-          <a:bodyPr/>
-          <a:lstStyle/>
-          <a:p>
-            <a:r>
-              <a:rPr lang="en-US" altLang="ko-KR" dirty="0"/>
-              <a:t> </a:t>
-            </a:r>
-            <a:r>
-              <a:rPr lang="ko-KR" altLang="en-US" dirty="0"/>
-              <a:t> 부가 기능 소개</a:t>
-            </a:r>
-          </a:p>
-        </p:txBody>
-      </p:sp>
+              <a:t>  실행 및 사용 방법</a:t>
+            </a:r>
+          </a:p>
+        </p:txBody>
+      </p:sp>
+      <p:pic>
+        <p:nvPicPr>
+          <p:cNvPr id="2" name="그림 1">
+            <a:extLst>
+              <a:ext uri="{FF2B5EF4-FFF2-40B4-BE49-F238E27FC236}">
+                <a16:creationId xmlns:a16="http://schemas.microsoft.com/office/drawing/2014/main" id="{EEB0C3C9-9354-420D-B227-972CE202F11B}"/>
+              </a:ext>
+            </a:extLst>
+          </p:cNvPr>
+          <p:cNvPicPr>
+            <a:picLocks noChangeAspect="1"/>
+          </p:cNvPicPr>
+          <p:nvPr/>
+        </p:nvPicPr>
+        <p:blipFill>
+          <a:blip r:embed="rId2"/>
+          <a:stretch>
+            <a:fillRect/>
+          </a:stretch>
+        </p:blipFill>
+        <p:spPr>
+          <a:xfrm>
+            <a:off x="4800598" y="3237099"/>
+            <a:ext cx="2590800" cy="2733675"/>
+          </a:xfrm>
+          <a:prstGeom prst="rect">
+            <a:avLst/>
+          </a:prstGeom>
+        </p:spPr>
+      </p:pic>
     </p:spTree>
     <p:extLst>
       <p:ext uri="{BB962C8B-B14F-4D97-AF65-F5344CB8AC3E}">
-        <p14:creationId xmlns:p14="http://schemas.microsoft.com/office/powerpoint/2010/main" val="3091873626"/>
+        <p14:creationId xmlns:p14="http://schemas.microsoft.com/office/powerpoint/2010/main" val="1627697758"/>
+      </p:ext>
+    </p:extLst>
+  </p:cSld>
+  <p:clrMapOvr>
+    <a:masterClrMapping/>
+  </p:clrMapOvr>
+</p:sld>
+</file>
+
+<file path=ppt/slides/slide7.xml><?xml version="1.0" encoding="utf-8"?>
+<p:sld xmlns:a="http://schemas.openxmlformats.org/drawingml/2006/main" xmlns:r="http://schemas.openxmlformats.org/officeDocument/2006/relationships" xmlns:p="http://schemas.openxmlformats.org/presentationml/2006/main">
+  <p:cSld>
+    <p:spTree>
+      <p:nvGrpSpPr>
+        <p:cNvPr id="1" name=""/>
+        <p:cNvGrpSpPr/>
+        <p:nvPr/>
+      </p:nvGrpSpPr>
+      <p:grpSpPr>
+        <a:xfrm>
+          <a:off x="0" y="0"/>
+          <a:ext cx="0" cy="0"/>
+          <a:chOff x="0" y="0"/>
+          <a:chExt cx="0" cy="0"/>
+        </a:xfrm>
+      </p:grpSpPr>
+      <p:sp>
+        <p:nvSpPr>
+          <p:cNvPr id="3" name="내용 개체 틀 2">
+            <a:extLst>
+              <a:ext uri="{FF2B5EF4-FFF2-40B4-BE49-F238E27FC236}">
+                <a16:creationId xmlns:a16="http://schemas.microsoft.com/office/drawing/2014/main" id="{CB91D253-CDB1-464C-8F8C-90DF69FCD1E1}"/>
+              </a:ext>
+            </a:extLst>
+          </p:cNvPr>
+          <p:cNvSpPr>
+            <a:spLocks noGrp="1"/>
+          </p:cNvSpPr>
+          <p:nvPr>
+            <p:ph idx="13"/>
+          </p:nvPr>
+        </p:nvSpPr>
+        <p:spPr/>
+        <p:txBody>
+          <a:bodyPr/>
+          <a:lstStyle/>
+          <a:p>
+            <a:r>
+              <a:rPr lang="ko-KR" altLang="en-US" dirty="0"/>
+              <a:t>연결 확인</a:t>
+            </a:r>
+            <a:endParaRPr lang="en-US" altLang="ko-KR" dirty="0"/>
+          </a:p>
+          <a:p>
+            <a:pPr lvl="1"/>
+            <a:r>
+              <a:rPr lang="ko-KR" altLang="en-US" dirty="0"/>
+              <a:t>프로그램을 실행하면 다음과 같은 창이 뜨며</a:t>
+            </a:r>
+            <a:r>
+              <a:rPr lang="en-US" altLang="ko-KR" dirty="0"/>
+              <a:t>, </a:t>
+            </a:r>
+            <a:br>
+              <a:rPr lang="en-US" altLang="ko-KR" dirty="0"/>
+            </a:br>
+            <a:r>
+              <a:rPr lang="ko-KR" altLang="en-US" dirty="0"/>
+              <a:t>왼쪽에 </a:t>
+            </a:r>
+            <a:r>
+              <a:rPr lang="ko-KR" altLang="en-US" dirty="0" err="1"/>
+              <a:t>웹캠으로부터</a:t>
+            </a:r>
+            <a:r>
+              <a:rPr lang="ko-KR" altLang="en-US" dirty="0"/>
+              <a:t> 촬영한 이미지를 출력한다</a:t>
+            </a:r>
+            <a:r>
+              <a:rPr lang="en-US" altLang="ko-KR" dirty="0"/>
+              <a:t>.</a:t>
+            </a:r>
+            <a:r>
+              <a:rPr lang="ko-KR" altLang="en-US" dirty="0"/>
+              <a:t> </a:t>
+            </a:r>
+            <a:endParaRPr lang="en-US" altLang="ko-KR" dirty="0"/>
+          </a:p>
+        </p:txBody>
+      </p:sp>
+      <p:sp>
+        <p:nvSpPr>
+          <p:cNvPr id="4" name="제목 3">
+            <a:extLst>
+              <a:ext uri="{FF2B5EF4-FFF2-40B4-BE49-F238E27FC236}">
+                <a16:creationId xmlns:a16="http://schemas.microsoft.com/office/drawing/2014/main" id="{4DE8B632-FE36-4D4B-A70D-A2F1381D4749}"/>
+              </a:ext>
+            </a:extLst>
+          </p:cNvPr>
+          <p:cNvSpPr>
+            <a:spLocks noGrp="1"/>
+          </p:cNvSpPr>
+          <p:nvPr>
+            <p:ph type="title"/>
+          </p:nvPr>
+        </p:nvSpPr>
+        <p:spPr/>
+        <p:txBody>
+          <a:bodyPr/>
+          <a:lstStyle/>
+          <a:p>
+            <a:r>
+              <a:rPr lang="ko-KR" altLang="en-US" dirty="0"/>
+              <a:t>  실행 및 사용 방법</a:t>
+            </a:r>
+          </a:p>
+        </p:txBody>
+      </p:sp>
+      <p:pic>
+        <p:nvPicPr>
+          <p:cNvPr id="10" name="그림 9">
+            <a:extLst>
+              <a:ext uri="{FF2B5EF4-FFF2-40B4-BE49-F238E27FC236}">
+                <a16:creationId xmlns:a16="http://schemas.microsoft.com/office/drawing/2014/main" id="{C324C58B-A982-4204-9C0B-999FD823D8FC}"/>
+              </a:ext>
+            </a:extLst>
+          </p:cNvPr>
+          <p:cNvPicPr>
+            <a:picLocks noChangeAspect="1"/>
+          </p:cNvPicPr>
+          <p:nvPr/>
+        </p:nvPicPr>
+        <p:blipFill>
+          <a:blip r:embed="rId3"/>
+          <a:stretch>
+            <a:fillRect/>
+          </a:stretch>
+        </p:blipFill>
+        <p:spPr>
+          <a:xfrm>
+            <a:off x="3398071" y="2938806"/>
+            <a:ext cx="5395857" cy="3640520"/>
+          </a:xfrm>
+          <a:prstGeom prst="rect">
+            <a:avLst/>
+          </a:prstGeom>
+        </p:spPr>
+      </p:pic>
+    </p:spTree>
+    <p:extLst>
+      <p:ext uri="{BB962C8B-B14F-4D97-AF65-F5344CB8AC3E}">
+        <p14:creationId xmlns:p14="http://schemas.microsoft.com/office/powerpoint/2010/main" val="2195583968"/>
+      </p:ext>
+    </p:extLst>
+  </p:cSld>
+  <p:clrMapOvr>
+    <a:masterClrMapping/>
+  </p:clrMapOvr>
+</p:sld>
+</file>
+
+<file path=ppt/slides/slide8.xml><?xml version="1.0" encoding="utf-8"?>
+<p:sld xmlns:a="http://schemas.openxmlformats.org/drawingml/2006/main" xmlns:r="http://schemas.openxmlformats.org/officeDocument/2006/relationships" xmlns:p="http://schemas.openxmlformats.org/presentationml/2006/main">
+  <p:cSld>
+    <p:spTree>
+      <p:nvGrpSpPr>
+        <p:cNvPr id="1" name=""/>
+        <p:cNvGrpSpPr/>
+        <p:nvPr/>
+      </p:nvGrpSpPr>
+      <p:grpSpPr>
+        <a:xfrm>
+          <a:off x="0" y="0"/>
+          <a:ext cx="0" cy="0"/>
+          <a:chOff x="0" y="0"/>
+          <a:chExt cx="0" cy="0"/>
+        </a:xfrm>
+      </p:grpSpPr>
+      <p:sp>
+        <p:nvSpPr>
+          <p:cNvPr id="3" name="내용 개체 틀 2">
+            <a:extLst>
+              <a:ext uri="{FF2B5EF4-FFF2-40B4-BE49-F238E27FC236}">
+                <a16:creationId xmlns:a16="http://schemas.microsoft.com/office/drawing/2014/main" id="{CB91D253-CDB1-464C-8F8C-90DF69FCD1E1}"/>
+              </a:ext>
+            </a:extLst>
+          </p:cNvPr>
+          <p:cNvSpPr>
+            <a:spLocks noGrp="1"/>
+          </p:cNvSpPr>
+          <p:nvPr>
+            <p:ph idx="13"/>
+          </p:nvPr>
+        </p:nvSpPr>
+        <p:spPr>
+          <a:xfrm>
+            <a:off x="289560" y="1619436"/>
+            <a:ext cx="5766589" cy="4351338"/>
+          </a:xfrm>
+        </p:spPr>
+        <p:txBody>
+          <a:bodyPr/>
+          <a:lstStyle/>
+          <a:p>
+            <a:r>
+              <a:rPr lang="ko-KR" altLang="en-US" dirty="0" err="1"/>
+              <a:t>웹캠이</a:t>
+            </a:r>
+            <a:r>
+              <a:rPr lang="ko-KR" altLang="en-US" dirty="0"/>
+              <a:t> 연결되면 다음과 같은 화면이 뜨게 된다</a:t>
+            </a:r>
+            <a:r>
+              <a:rPr lang="en-US" altLang="ko-KR" dirty="0"/>
+              <a:t>.</a:t>
+            </a:r>
+          </a:p>
+          <a:p>
+            <a:r>
+              <a:rPr lang="ko-KR" altLang="en-US" dirty="0"/>
+              <a:t>우측 하단의 </a:t>
+            </a:r>
+            <a:r>
+              <a:rPr lang="en-US" altLang="ko-KR" dirty="0"/>
+              <a:t>‘</a:t>
+            </a:r>
+            <a:r>
+              <a:rPr lang="ko-KR" altLang="en-US" dirty="0"/>
+              <a:t>시작</a:t>
+            </a:r>
+            <a:r>
+              <a:rPr lang="en-US" altLang="ko-KR" dirty="0"/>
+              <a:t>‘ </a:t>
+            </a:r>
+            <a:r>
+              <a:rPr lang="ko-KR" altLang="en-US" dirty="0"/>
+              <a:t>버튼을 클릭할 시 </a:t>
+            </a:r>
+            <a:r>
+              <a:rPr lang="en-US" altLang="ko-KR" dirty="0"/>
+              <a:t>Motion Detector </a:t>
+            </a:r>
+            <a:r>
+              <a:rPr lang="ko-KR" altLang="en-US" dirty="0"/>
+              <a:t>프로그램이 </a:t>
+            </a:r>
+            <a:br>
+              <a:rPr lang="en-US" altLang="ko-KR" dirty="0"/>
+            </a:br>
+            <a:r>
+              <a:rPr lang="ko-KR" altLang="en-US" dirty="0"/>
+              <a:t>모션 감지를 시작한다</a:t>
+            </a:r>
+            <a:r>
+              <a:rPr lang="en-US" altLang="ko-KR" dirty="0"/>
+              <a:t>.</a:t>
+            </a:r>
+          </a:p>
+          <a:p>
+            <a:r>
+              <a:rPr lang="ko-KR" altLang="en-US" dirty="0"/>
+              <a:t>프로그램을 종료하고 싶으면 </a:t>
+            </a:r>
+            <a:r>
+              <a:rPr lang="en-US" altLang="ko-KR" dirty="0"/>
+              <a:t>‘</a:t>
+            </a:r>
+            <a:r>
+              <a:rPr lang="ko-KR" altLang="en-US" dirty="0"/>
+              <a:t>중지</a:t>
+            </a:r>
+            <a:r>
+              <a:rPr lang="en-US" altLang="ko-KR" dirty="0"/>
+              <a:t>’ </a:t>
+            </a:r>
+            <a:r>
+              <a:rPr lang="ko-KR" altLang="en-US" dirty="0"/>
+              <a:t>버튼을 클릭한다</a:t>
+            </a:r>
+            <a:r>
+              <a:rPr lang="en-US" altLang="ko-KR" dirty="0"/>
+              <a:t>.</a:t>
+            </a:r>
+            <a:br>
+              <a:rPr lang="en-US" altLang="ko-KR" dirty="0"/>
+            </a:br>
+            <a:endParaRPr lang="en-US" altLang="ko-KR" dirty="0"/>
+          </a:p>
+        </p:txBody>
+      </p:sp>
+      <p:sp>
+        <p:nvSpPr>
+          <p:cNvPr id="4" name="제목 3">
+            <a:extLst>
+              <a:ext uri="{FF2B5EF4-FFF2-40B4-BE49-F238E27FC236}">
+                <a16:creationId xmlns:a16="http://schemas.microsoft.com/office/drawing/2014/main" id="{4DE8B632-FE36-4D4B-A70D-A2F1381D4749}"/>
+              </a:ext>
+            </a:extLst>
+          </p:cNvPr>
+          <p:cNvSpPr>
+            <a:spLocks noGrp="1"/>
+          </p:cNvSpPr>
+          <p:nvPr>
+            <p:ph type="title"/>
+          </p:nvPr>
+        </p:nvSpPr>
+        <p:spPr/>
+        <p:txBody>
+          <a:bodyPr/>
+          <a:lstStyle/>
+          <a:p>
+            <a:r>
+              <a:rPr lang="ko-KR" altLang="en-US" dirty="0"/>
+              <a:t>  실행 및 사용 방법</a:t>
+            </a:r>
+          </a:p>
+        </p:txBody>
+      </p:sp>
+      <p:pic>
+        <p:nvPicPr>
+          <p:cNvPr id="6" name="그림 5">
+            <a:extLst>
+              <a:ext uri="{FF2B5EF4-FFF2-40B4-BE49-F238E27FC236}">
+                <a16:creationId xmlns:a16="http://schemas.microsoft.com/office/drawing/2014/main" id="{6BF102D5-D42C-49A3-ADBD-EEB607A22F75}"/>
+              </a:ext>
+            </a:extLst>
+          </p:cNvPr>
+          <p:cNvPicPr>
+            <a:picLocks noChangeAspect="1"/>
+          </p:cNvPicPr>
+          <p:nvPr/>
+        </p:nvPicPr>
+        <p:blipFill>
+          <a:blip r:embed="rId3"/>
+          <a:stretch>
+            <a:fillRect/>
+          </a:stretch>
+        </p:blipFill>
+        <p:spPr>
+          <a:xfrm>
+            <a:off x="6056149" y="1828801"/>
+            <a:ext cx="5846291" cy="3944422"/>
+          </a:xfrm>
+          <a:prstGeom prst="rect">
+            <a:avLst/>
+          </a:prstGeom>
+        </p:spPr>
+      </p:pic>
+      <p:sp>
+        <p:nvSpPr>
+          <p:cNvPr id="5" name="직사각형 4">
+            <a:extLst>
+              <a:ext uri="{FF2B5EF4-FFF2-40B4-BE49-F238E27FC236}">
+                <a16:creationId xmlns:a16="http://schemas.microsoft.com/office/drawing/2014/main" id="{6A96375C-1F61-4303-9CB5-9191282F4880}"/>
+              </a:ext>
+            </a:extLst>
+          </p:cNvPr>
+          <p:cNvSpPr/>
+          <p:nvPr/>
+        </p:nvSpPr>
+        <p:spPr>
+          <a:xfrm>
+            <a:off x="10629900" y="5482590"/>
+            <a:ext cx="1169670" cy="198120"/>
+          </a:xfrm>
+          <a:prstGeom prst="rect">
+            <a:avLst/>
+          </a:prstGeom>
+          <a:noFill/>
+          <a:ln w="38100">
+            <a:solidFill>
+              <a:srgbClr val="FF0000"/>
+            </a:solidFill>
+          </a:ln>
+        </p:spPr>
+        <p:style>
+          <a:lnRef idx="2">
+            <a:schemeClr val="accent1">
+              <a:shade val="50000"/>
+            </a:schemeClr>
+          </a:lnRef>
+          <a:fillRef idx="1">
+            <a:schemeClr val="accent1"/>
+          </a:fillRef>
+          <a:effectRef idx="0">
+            <a:schemeClr val="accent1"/>
+          </a:effectRef>
+          <a:fontRef idx="minor">
+            <a:schemeClr val="lt1"/>
+          </a:fontRef>
+        </p:style>
+        <p:txBody>
+          <a:bodyPr rtlCol="0" anchor="ctr"/>
+          <a:lstStyle/>
+          <a:p>
+            <a:pPr algn="ctr"/>
+            <a:endParaRPr lang="ko-KR" altLang="en-US"/>
+          </a:p>
+        </p:txBody>
+      </p:sp>
+    </p:spTree>
+    <p:extLst>
+      <p:ext uri="{BB962C8B-B14F-4D97-AF65-F5344CB8AC3E}">
+        <p14:creationId xmlns:p14="http://schemas.microsoft.com/office/powerpoint/2010/main" val="450142669"/>
+      </p:ext>
+    </p:extLst>
+  </p:cSld>
+  <p:clrMapOvr>
+    <a:masterClrMapping/>
+  </p:clrMapOvr>
+</p:sld>
+</file>
+
+<file path=ppt/slides/slide9.xml><?xml version="1.0" encoding="utf-8"?>
+<p:sld xmlns:a="http://schemas.openxmlformats.org/drawingml/2006/main" xmlns:r="http://schemas.openxmlformats.org/officeDocument/2006/relationships" xmlns:p="http://schemas.openxmlformats.org/presentationml/2006/main">
+  <p:cSld>
+    <p:spTree>
+      <p:nvGrpSpPr>
+        <p:cNvPr id="1" name=""/>
+        <p:cNvGrpSpPr/>
+        <p:nvPr/>
+      </p:nvGrpSpPr>
+      <p:grpSpPr>
+        <a:xfrm>
+          <a:off x="0" y="0"/>
+          <a:ext cx="0" cy="0"/>
+          <a:chOff x="0" y="0"/>
+          <a:chExt cx="0" cy="0"/>
+        </a:xfrm>
+      </p:grpSpPr>
+      <p:sp>
+        <p:nvSpPr>
+          <p:cNvPr id="3" name="내용 개체 틀 2">
+            <a:extLst>
+              <a:ext uri="{FF2B5EF4-FFF2-40B4-BE49-F238E27FC236}">
+                <a16:creationId xmlns:a16="http://schemas.microsoft.com/office/drawing/2014/main" id="{CB91D253-CDB1-464C-8F8C-90DF69FCD1E1}"/>
+              </a:ext>
+            </a:extLst>
+          </p:cNvPr>
+          <p:cNvSpPr>
+            <a:spLocks noGrp="1"/>
+          </p:cNvSpPr>
+          <p:nvPr>
+            <p:ph idx="13"/>
+          </p:nvPr>
+        </p:nvSpPr>
+        <p:spPr>
+          <a:xfrm>
+            <a:off x="289560" y="1619436"/>
+            <a:ext cx="5766589" cy="4351338"/>
+          </a:xfrm>
+        </p:spPr>
+        <p:txBody>
+          <a:bodyPr/>
+          <a:lstStyle/>
+          <a:p>
+            <a:r>
+              <a:rPr lang="ko-KR" altLang="en-US" dirty="0"/>
+              <a:t>모션 감지 등급을 변경하고 싶다면 </a:t>
+            </a:r>
+            <a:br>
+              <a:rPr lang="en-US" altLang="ko-KR" dirty="0"/>
+            </a:br>
+            <a:r>
+              <a:rPr lang="ko-KR" altLang="en-US" dirty="0"/>
+              <a:t>우측 상단의 슬라이더를 움직여</a:t>
+            </a:r>
+            <a:br>
+              <a:rPr lang="en-US" altLang="ko-KR" dirty="0"/>
+            </a:br>
+            <a:r>
+              <a:rPr lang="ko-KR" altLang="en-US" dirty="0"/>
+              <a:t>변경할 수 있다</a:t>
+            </a:r>
+            <a:r>
+              <a:rPr lang="en-US" altLang="ko-KR" dirty="0"/>
+              <a:t>.</a:t>
+            </a:r>
+          </a:p>
+          <a:p>
+            <a:r>
+              <a:rPr lang="en-US" altLang="ko-KR" dirty="0"/>
+              <a:t>0</a:t>
+            </a:r>
+            <a:r>
+              <a:rPr lang="ko-KR" altLang="en-US" dirty="0"/>
+              <a:t>단계 </a:t>
+            </a:r>
+            <a:r>
+              <a:rPr lang="en-US" altLang="ko-KR" dirty="0"/>
+              <a:t>~ 11</a:t>
+            </a:r>
+            <a:r>
+              <a:rPr lang="ko-KR" altLang="en-US" dirty="0"/>
+              <a:t>단계로 총 </a:t>
+            </a:r>
+            <a:r>
+              <a:rPr lang="en-US" altLang="ko-KR" dirty="0"/>
+              <a:t>12</a:t>
+            </a:r>
+            <a:r>
+              <a:rPr lang="ko-KR" altLang="en-US" dirty="0"/>
+              <a:t>단계의 감지 등급이 구성되어 있다</a:t>
+            </a:r>
+            <a:r>
+              <a:rPr lang="en-US" altLang="ko-KR" dirty="0"/>
+              <a:t>.</a:t>
+            </a:r>
+          </a:p>
+          <a:p>
+            <a:r>
+              <a:rPr lang="en-US" altLang="ko-KR" dirty="0"/>
+              <a:t>Default </a:t>
+            </a:r>
+            <a:r>
+              <a:rPr lang="ko-KR" altLang="en-US" dirty="0"/>
+              <a:t>값은 </a:t>
+            </a:r>
+            <a:r>
+              <a:rPr lang="en-US" altLang="ko-KR" dirty="0"/>
+              <a:t>5</a:t>
+            </a:r>
+            <a:r>
+              <a:rPr lang="ko-KR" altLang="en-US" dirty="0"/>
+              <a:t>단계이다</a:t>
+            </a:r>
+            <a:r>
+              <a:rPr lang="en-US" altLang="ko-KR" dirty="0"/>
+              <a:t>.</a:t>
+            </a:r>
+          </a:p>
+          <a:p>
+            <a:endParaRPr lang="en-US" altLang="ko-KR" dirty="0"/>
+          </a:p>
+        </p:txBody>
+      </p:sp>
+      <p:sp>
+        <p:nvSpPr>
+          <p:cNvPr id="4" name="제목 3">
+            <a:extLst>
+              <a:ext uri="{FF2B5EF4-FFF2-40B4-BE49-F238E27FC236}">
+                <a16:creationId xmlns:a16="http://schemas.microsoft.com/office/drawing/2014/main" id="{4DE8B632-FE36-4D4B-A70D-A2F1381D4749}"/>
+              </a:ext>
+            </a:extLst>
+          </p:cNvPr>
+          <p:cNvSpPr>
+            <a:spLocks noGrp="1"/>
+          </p:cNvSpPr>
+          <p:nvPr>
+            <p:ph type="title"/>
+          </p:nvPr>
+        </p:nvSpPr>
+        <p:spPr/>
+        <p:txBody>
+          <a:bodyPr/>
+          <a:lstStyle/>
+          <a:p>
+            <a:r>
+              <a:rPr lang="ko-KR" altLang="en-US" dirty="0"/>
+              <a:t>  실행 및 사용 방법</a:t>
+            </a:r>
+          </a:p>
+        </p:txBody>
+      </p:sp>
+      <p:pic>
+        <p:nvPicPr>
+          <p:cNvPr id="6" name="그림 5">
+            <a:extLst>
+              <a:ext uri="{FF2B5EF4-FFF2-40B4-BE49-F238E27FC236}">
+                <a16:creationId xmlns:a16="http://schemas.microsoft.com/office/drawing/2014/main" id="{6BF102D5-D42C-49A3-ADBD-EEB607A22F75}"/>
+              </a:ext>
+            </a:extLst>
+          </p:cNvPr>
+          <p:cNvPicPr>
+            <a:picLocks noChangeAspect="1"/>
+          </p:cNvPicPr>
+          <p:nvPr/>
+        </p:nvPicPr>
+        <p:blipFill>
+          <a:blip r:embed="rId3"/>
+          <a:stretch>
+            <a:fillRect/>
+          </a:stretch>
+        </p:blipFill>
+        <p:spPr>
+          <a:xfrm>
+            <a:off x="6056149" y="1828801"/>
+            <a:ext cx="5846291" cy="3944422"/>
+          </a:xfrm>
+          <a:prstGeom prst="rect">
+            <a:avLst/>
+          </a:prstGeom>
+        </p:spPr>
+      </p:pic>
+      <p:sp>
+        <p:nvSpPr>
+          <p:cNvPr id="5" name="직사각형 4">
+            <a:extLst>
+              <a:ext uri="{FF2B5EF4-FFF2-40B4-BE49-F238E27FC236}">
+                <a16:creationId xmlns:a16="http://schemas.microsoft.com/office/drawing/2014/main" id="{6A96375C-1F61-4303-9CB5-9191282F4880}"/>
+              </a:ext>
+            </a:extLst>
+          </p:cNvPr>
+          <p:cNvSpPr/>
+          <p:nvPr/>
+        </p:nvSpPr>
+        <p:spPr>
+          <a:xfrm>
+            <a:off x="10635650" y="2443297"/>
+            <a:ext cx="1169670" cy="439239"/>
+          </a:xfrm>
+          <a:prstGeom prst="rect">
+            <a:avLst/>
+          </a:prstGeom>
+          <a:noFill/>
+          <a:ln w="38100">
+            <a:solidFill>
+              <a:srgbClr val="FF0000"/>
+            </a:solidFill>
+          </a:ln>
+        </p:spPr>
+        <p:style>
+          <a:lnRef idx="2">
+            <a:schemeClr val="accent1">
+              <a:shade val="50000"/>
+            </a:schemeClr>
+          </a:lnRef>
+          <a:fillRef idx="1">
+            <a:schemeClr val="accent1"/>
+          </a:fillRef>
+          <a:effectRef idx="0">
+            <a:schemeClr val="accent1"/>
+          </a:effectRef>
+          <a:fontRef idx="minor">
+            <a:schemeClr val="lt1"/>
+          </a:fontRef>
+        </p:style>
+        <p:txBody>
+          <a:bodyPr rtlCol="0" anchor="ctr"/>
+          <a:lstStyle/>
+          <a:p>
+            <a:pPr algn="ctr"/>
+            <a:endParaRPr lang="ko-KR" altLang="en-US"/>
+          </a:p>
+        </p:txBody>
+      </p:sp>
+    </p:spTree>
+    <p:extLst>
+      <p:ext uri="{BB962C8B-B14F-4D97-AF65-F5344CB8AC3E}">
+        <p14:creationId xmlns:p14="http://schemas.microsoft.com/office/powerpoint/2010/main" val="2485314690"/>
       </p:ext>
     </p:extLst>
   </p:cSld>
